--- a/就職活動/履歴書_2116224_野田武道.pptx
+++ b/就職活動/履歴書_2116224_野田武道.pptx
@@ -251,7 +251,7 @@
           <a:p>
             <a:fld id="{794C40CB-C9B9-4CF7-8744-847E2158247A}" type="datetimeFigureOut">
               <a:rPr kumimoji="1" lang="ja-JP" altLang="en-US" smtClean="0"/>
-              <a:t>2022/12/8</a:t>
+              <a:t>2023/6/15</a:t>
             </a:fld>
             <a:endParaRPr kumimoji="1" lang="ja-JP" altLang="en-US"/>
           </a:p>
@@ -453,7 +453,7 @@
           <a:p>
             <a:fld id="{794C40CB-C9B9-4CF7-8744-847E2158247A}" type="datetimeFigureOut">
               <a:rPr kumimoji="1" lang="ja-JP" altLang="en-US" smtClean="0"/>
-              <a:t>2022/12/8</a:t>
+              <a:t>2023/6/15</a:t>
             </a:fld>
             <a:endParaRPr kumimoji="1" lang="ja-JP" altLang="en-US"/>
           </a:p>
@@ -665,7 +665,7 @@
           <a:p>
             <a:fld id="{794C40CB-C9B9-4CF7-8744-847E2158247A}" type="datetimeFigureOut">
               <a:rPr kumimoji="1" lang="ja-JP" altLang="en-US" smtClean="0"/>
-              <a:t>2022/12/8</a:t>
+              <a:t>2023/6/15</a:t>
             </a:fld>
             <a:endParaRPr kumimoji="1" lang="ja-JP" altLang="en-US"/>
           </a:p>
@@ -867,7 +867,7 @@
           <a:p>
             <a:fld id="{794C40CB-C9B9-4CF7-8744-847E2158247A}" type="datetimeFigureOut">
               <a:rPr kumimoji="1" lang="ja-JP" altLang="en-US" smtClean="0"/>
-              <a:t>2022/12/8</a:t>
+              <a:t>2023/6/15</a:t>
             </a:fld>
             <a:endParaRPr kumimoji="1" lang="ja-JP" altLang="en-US"/>
           </a:p>
@@ -1111,7 +1111,7 @@
           <a:p>
             <a:fld id="{794C40CB-C9B9-4CF7-8744-847E2158247A}" type="datetimeFigureOut">
               <a:rPr kumimoji="1" lang="ja-JP" altLang="en-US" smtClean="0"/>
-              <a:t>2022/12/8</a:t>
+              <a:t>2023/6/15</a:t>
             </a:fld>
             <a:endParaRPr kumimoji="1" lang="ja-JP" altLang="en-US"/>
           </a:p>
@@ -1407,7 +1407,7 @@
           <a:p>
             <a:fld id="{794C40CB-C9B9-4CF7-8744-847E2158247A}" type="datetimeFigureOut">
               <a:rPr kumimoji="1" lang="ja-JP" altLang="en-US" smtClean="0"/>
-              <a:t>2022/12/8</a:t>
+              <a:t>2023/6/15</a:t>
             </a:fld>
             <a:endParaRPr kumimoji="1" lang="ja-JP" altLang="en-US"/>
           </a:p>
@@ -1838,7 +1838,7 @@
           <a:p>
             <a:fld id="{794C40CB-C9B9-4CF7-8744-847E2158247A}" type="datetimeFigureOut">
               <a:rPr kumimoji="1" lang="ja-JP" altLang="en-US" smtClean="0"/>
-              <a:t>2022/12/8</a:t>
+              <a:t>2023/6/15</a:t>
             </a:fld>
             <a:endParaRPr kumimoji="1" lang="ja-JP" altLang="en-US"/>
           </a:p>
@@ -1956,7 +1956,7 @@
           <a:p>
             <a:fld id="{794C40CB-C9B9-4CF7-8744-847E2158247A}" type="datetimeFigureOut">
               <a:rPr kumimoji="1" lang="ja-JP" altLang="en-US" smtClean="0"/>
-              <a:t>2022/12/8</a:t>
+              <a:t>2023/6/15</a:t>
             </a:fld>
             <a:endParaRPr kumimoji="1" lang="ja-JP" altLang="en-US"/>
           </a:p>
@@ -2051,7 +2051,7 @@
           <a:p>
             <a:fld id="{794C40CB-C9B9-4CF7-8744-847E2158247A}" type="datetimeFigureOut">
               <a:rPr kumimoji="1" lang="ja-JP" altLang="en-US" smtClean="0"/>
-              <a:t>2022/12/8</a:t>
+              <a:t>2023/6/15</a:t>
             </a:fld>
             <a:endParaRPr kumimoji="1" lang="ja-JP" altLang="en-US"/>
           </a:p>
@@ -2360,7 +2360,7 @@
           <a:p>
             <a:fld id="{794C40CB-C9B9-4CF7-8744-847E2158247A}" type="datetimeFigureOut">
               <a:rPr kumimoji="1" lang="ja-JP" altLang="en-US" smtClean="0"/>
-              <a:t>2022/12/8</a:t>
+              <a:t>2023/6/15</a:t>
             </a:fld>
             <a:endParaRPr kumimoji="1" lang="ja-JP" altLang="en-US"/>
           </a:p>
@@ -2617,7 +2617,7 @@
           <a:p>
             <a:fld id="{794C40CB-C9B9-4CF7-8744-847E2158247A}" type="datetimeFigureOut">
               <a:rPr kumimoji="1" lang="ja-JP" altLang="en-US" smtClean="0"/>
-              <a:t>2022/12/8</a:t>
+              <a:t>2023/6/15</a:t>
             </a:fld>
             <a:endParaRPr kumimoji="1" lang="ja-JP" altLang="en-US"/>
           </a:p>
@@ -2862,7 +2862,7 @@
           <a:p>
             <a:fld id="{794C40CB-C9B9-4CF7-8744-847E2158247A}" type="datetimeFigureOut">
               <a:rPr kumimoji="1" lang="ja-JP" altLang="en-US" smtClean="0"/>
-              <a:t>2022/12/8</a:t>
+              <a:t>2023/6/15</a:t>
             </a:fld>
             <a:endParaRPr kumimoji="1" lang="ja-JP" altLang="en-US"/>
           </a:p>
@@ -3654,7 +3654,7 @@
               </a:spcAft>
             </a:pPr>
             <a:r>
-              <a:rPr lang="en-US" sz="1200" kern="100" spc="300">
+              <a:rPr lang="en-US" sz="1200" kern="100" spc="300" dirty="0">
                 <a:solidFill>
                   <a:srgbClr val="000000"/>
                 </a:solidFill>
@@ -3662,20 +3662,9 @@
                 <a:latin typeface="ＭＳ Ｐ明朝" panose="02020600040205080304" pitchFamily="18" charset="-128"/>
                 <a:ea typeface="Calibri" panose="020F0502020204030204" pitchFamily="34" charset="0"/>
               </a:rPr>
-              <a:t>1</a:t>
-            </a:r>
-            <a:r>
-              <a:rPr lang="en-US" altLang="ja-JP" sz="1200" kern="100" spc="300">
-                <a:solidFill>
-                  <a:srgbClr val="000000"/>
-                </a:solidFill>
-                <a:effectLst/>
-                <a:latin typeface="ＭＳ Ｐ明朝" panose="02020600040205080304" pitchFamily="18" charset="-128"/>
-                <a:ea typeface="Calibri" panose="020F0502020204030204" pitchFamily="34" charset="0"/>
-              </a:rPr>
-              <a:t>2</a:t>
-            </a:r>
-            <a:endParaRPr lang="ja-JP" sz="1100" kern="100">
+              <a:t>14</a:t>
+            </a:r>
+            <a:endParaRPr lang="ja-JP" sz="1100" kern="100" dirty="0">
               <a:solidFill>
                 <a:srgbClr val="000000"/>
               </a:solidFill>
@@ -3725,7 +3714,7 @@
               </a:spcAft>
             </a:pPr>
             <a:r>
-              <a:rPr lang="en-US" sz="1200" kern="100" spc="300">
+              <a:rPr lang="en-US" sz="1200" kern="100" spc="300" dirty="0">
                 <a:solidFill>
                   <a:srgbClr val="000000"/>
                 </a:solidFill>
@@ -3735,7 +3724,7 @@
               </a:rPr>
               <a:t>27</a:t>
             </a:r>
-            <a:endParaRPr lang="ja-JP" sz="1100" kern="100">
+            <a:endParaRPr lang="ja-JP" sz="1100" kern="100" dirty="0">
               <a:solidFill>
                 <a:srgbClr val="000000"/>
               </a:solidFill>
@@ -3785,7 +3774,7 @@
               </a:spcAft>
             </a:pPr>
             <a:r>
-              <a:rPr lang="en-US" sz="1200" kern="100" spc="300">
+              <a:rPr lang="en-US" sz="1200" kern="100" spc="300" dirty="0">
                 <a:solidFill>
                   <a:srgbClr val="000000"/>
                 </a:solidFill>
@@ -3793,9 +3782,9 @@
                 <a:latin typeface="ＭＳ Ｐ明朝" panose="02020600040205080304" pitchFamily="18" charset="-128"/>
                 <a:ea typeface="Calibri" panose="020F0502020204030204" pitchFamily="34" charset="0"/>
               </a:rPr>
-              <a:t> 1</a:t>
-            </a:r>
-            <a:endParaRPr lang="ja-JP" sz="1100" kern="100">
+              <a:t>10</a:t>
+            </a:r>
+            <a:endParaRPr lang="ja-JP" sz="1100" kern="100" dirty="0">
               <a:solidFill>
                 <a:srgbClr val="000000"/>
               </a:solidFill>
@@ -3845,17 +3834,16 @@
               </a:spcAft>
             </a:pPr>
             <a:r>
-              <a:rPr lang="en-US" altLang="ja-JP" sz="1200" kern="100" spc="300">
-                <a:solidFill>
-                  <a:srgbClr val="000000"/>
-                </a:solidFill>
-                <a:effectLst/>
+              <a:rPr lang="en-US" altLang="ja-JP" sz="1200" kern="100" spc="300" dirty="0">
+                <a:solidFill>
+                  <a:srgbClr val="000000"/>
+                </a:solidFill>
                 <a:latin typeface="ＭＳ Ｐ明朝" panose="02020600040205080304" pitchFamily="18" charset="-128"/>
                 <a:ea typeface="Calibri" panose="020F0502020204030204" pitchFamily="34" charset="0"/>
               </a:rPr>
-              <a:t>19</a:t>
-            </a:r>
-            <a:endParaRPr lang="ja-JP" sz="1100" kern="100">
+              <a:t>20</a:t>
+            </a:r>
+            <a:endParaRPr lang="ja-JP" sz="1100" kern="100" dirty="0">
               <a:solidFill>
                 <a:srgbClr val="000000"/>
               </a:solidFill>
@@ -3905,7 +3893,7 @@
               </a:spcAft>
             </a:pPr>
             <a:r>
-              <a:rPr lang="en-US" sz="1050" kern="100" spc="300">
+              <a:rPr lang="en-US" sz="1050" kern="100" spc="300" dirty="0">
                 <a:solidFill>
                   <a:srgbClr val="000000"/>
                 </a:solidFill>
@@ -3913,10 +3901,10 @@
                 <a:latin typeface="ＭＳ Ｐ明朝" panose="02020600040205080304" pitchFamily="18" charset="-128"/>
                 <a:ea typeface="Calibri" panose="020F0502020204030204" pitchFamily="34" charset="0"/>
               </a:rPr>
-              <a:t>hanako@</a:t>
-            </a:r>
-            <a:r>
-              <a:rPr lang="en-US" altLang="ja-JP" sz="1050" kern="100" spc="300">
+              <a:t>2116224@</a:t>
+            </a:r>
+            <a:r>
+              <a:rPr lang="en-US" altLang="ja-JP" sz="1050" kern="100" spc="300" dirty="0">
                 <a:solidFill>
                   <a:srgbClr val="000000"/>
                 </a:solidFill>
@@ -3927,7 +3915,7 @@
               <a:t>s</a:t>
             </a:r>
             <a:r>
-              <a:rPr lang="en-US" sz="1050" kern="100" spc="300">
+              <a:rPr lang="en-US" sz="1050" kern="100" spc="300" dirty="0">
                 <a:solidFill>
                   <a:srgbClr val="000000"/>
                 </a:solidFill>
@@ -3937,7 +3925,7 @@
               </a:rPr>
               <a:t>.asojuku.ac.jp</a:t>
             </a:r>
-            <a:endParaRPr lang="ja-JP" sz="1100" kern="100">
+            <a:endParaRPr lang="ja-JP" sz="1100" kern="100" dirty="0">
               <a:solidFill>
                 <a:srgbClr val="000000"/>
               </a:solidFill>
@@ -3987,7 +3975,7 @@
               </a:spcAft>
             </a:pPr>
             <a:r>
-              <a:rPr lang="en-US" sz="1200" kern="100" spc="300">
+              <a:rPr lang="en-US" sz="1200" kern="100" spc="300" dirty="0">
                 <a:solidFill>
                   <a:srgbClr val="000000"/>
                 </a:solidFill>
@@ -3995,10 +3983,10 @@
                 <a:latin typeface="ＭＳ Ｐ明朝" panose="02020600040205080304" pitchFamily="18" charset="-128"/>
                 <a:ea typeface="Calibri" panose="020F0502020204030204" pitchFamily="34" charset="0"/>
               </a:rPr>
-              <a:t>090-</a:t>
-            </a:r>
-            <a:r>
-              <a:rPr lang="en-US" altLang="ja-JP" sz="1200" kern="100" spc="300">
+              <a:t>080-</a:t>
+            </a:r>
+            <a:r>
+              <a:rPr lang="en-US" altLang="ja-JP" sz="1200" kern="100" spc="300" dirty="0">
                 <a:solidFill>
                   <a:srgbClr val="000000"/>
                 </a:solidFill>
@@ -4006,10 +3994,10 @@
                 <a:latin typeface="ＭＳ Ｐ明朝" panose="02020600040205080304" pitchFamily="18" charset="-128"/>
                 <a:ea typeface="Calibri" panose="020F0502020204030204" pitchFamily="34" charset="0"/>
               </a:rPr>
-              <a:t>0000</a:t>
-            </a:r>
-            <a:r>
-              <a:rPr lang="en-US" sz="1200" kern="100" spc="300">
+              <a:t>1797</a:t>
+            </a:r>
+            <a:r>
+              <a:rPr lang="en-US" sz="1200" kern="100" spc="300" dirty="0">
                 <a:solidFill>
                   <a:srgbClr val="000000"/>
                 </a:solidFill>
@@ -4017,20 +4005,9 @@
                 <a:latin typeface="ＭＳ Ｐ明朝" panose="02020600040205080304" pitchFamily="18" charset="-128"/>
                 <a:ea typeface="Calibri" panose="020F0502020204030204" pitchFamily="34" charset="0"/>
               </a:rPr>
-              <a:t>-</a:t>
-            </a:r>
-            <a:r>
-              <a:rPr lang="en-US" altLang="ja-JP" sz="1200" kern="100" spc="300">
-                <a:solidFill>
-                  <a:srgbClr val="000000"/>
-                </a:solidFill>
-                <a:effectLst/>
-                <a:latin typeface="ＭＳ Ｐ明朝" panose="02020600040205080304" pitchFamily="18" charset="-128"/>
-                <a:ea typeface="Calibri" panose="020F0502020204030204" pitchFamily="34" charset="0"/>
-              </a:rPr>
-              <a:t>0000</a:t>
-            </a:r>
-            <a:endParaRPr lang="ja-JP" sz="1200" kern="100">
+              <a:t>-2980</a:t>
+            </a:r>
+            <a:endParaRPr lang="ja-JP" sz="1200" kern="100" dirty="0">
               <a:solidFill>
                 <a:srgbClr val="000000"/>
               </a:solidFill>
@@ -4080,17 +4057,16 @@
               </a:spcAft>
             </a:pPr>
             <a:r>
-              <a:rPr lang="ja-JP" sz="1050" kern="100">
-                <a:solidFill>
-                  <a:srgbClr val="000000"/>
-                </a:solidFill>
-                <a:effectLst/>
+              <a:rPr lang="ja-JP" altLang="en-US" sz="1050" kern="100" dirty="0">
+                <a:solidFill>
+                  <a:srgbClr val="000000"/>
+                </a:solidFill>
                 <a:latin typeface="Calibri" panose="020F0502020204030204" pitchFamily="34" charset="0"/>
                 <a:ea typeface="ＭＳ Ｐ明朝" panose="02020600040205080304" pitchFamily="18" charset="-128"/>
               </a:rPr>
-              <a:t>ふくおかし　はかたく　はかたえき みなみ</a:t>
-            </a:r>
-            <a:endParaRPr lang="ja-JP" sz="1100" kern="100">
+              <a:t>さがけん　さがし　やまとまち　おおあざ　くちい</a:t>
+            </a:r>
+            <a:endParaRPr lang="ja-JP" sz="1100" kern="100" dirty="0">
               <a:solidFill>
                 <a:srgbClr val="000000"/>
               </a:solidFill>
@@ -4140,7 +4116,7 @@
               </a:spcAft>
             </a:pPr>
             <a:r>
-              <a:rPr lang="en-US" sz="1200" kern="100" spc="300">
+              <a:rPr lang="en-US" sz="1200" kern="100" spc="300" dirty="0">
                 <a:solidFill>
                   <a:srgbClr val="000000"/>
                 </a:solidFill>
@@ -4148,9 +4124,9 @@
                 <a:latin typeface="ＭＳ Ｐ明朝" panose="02020600040205080304" pitchFamily="18" charset="-128"/>
                 <a:ea typeface="Calibri" panose="020F0502020204030204" pitchFamily="34" charset="0"/>
               </a:rPr>
-              <a:t>812</a:t>
-            </a:r>
-            <a:endParaRPr lang="ja-JP" sz="1200" kern="100">
+              <a:t>840</a:t>
+            </a:r>
+            <a:endParaRPr lang="ja-JP" sz="1200" kern="100" dirty="0">
               <a:solidFill>
                 <a:srgbClr val="000000"/>
               </a:solidFill>
@@ -4200,7 +4176,7 @@
               </a:spcAft>
             </a:pPr>
             <a:r>
-              <a:rPr lang="en-US" sz="1200" kern="100" spc="300">
+              <a:rPr lang="en-US" sz="1200" kern="100" spc="300" dirty="0">
                 <a:solidFill>
                   <a:srgbClr val="000000"/>
                 </a:solidFill>
@@ -4208,9 +4184,9 @@
                 <a:latin typeface="ＭＳ Ｐ明朝" panose="02020600040205080304" pitchFamily="18" charset="-128"/>
                 <a:ea typeface="Calibri" panose="020F0502020204030204" pitchFamily="34" charset="0"/>
               </a:rPr>
-              <a:t>0012</a:t>
-            </a:r>
-            <a:endParaRPr lang="ja-JP" sz="1200" kern="100">
+              <a:t>0202</a:t>
+            </a:r>
+            <a:endParaRPr lang="ja-JP" sz="1200" kern="100" dirty="0">
               <a:solidFill>
                 <a:srgbClr val="000000"/>
               </a:solidFill>
@@ -4260,83 +4236,26 @@
               </a:spcAft>
             </a:pPr>
             <a:r>
-              <a:rPr lang="ja-JP" sz="1200" kern="100">
-                <a:solidFill>
-                  <a:srgbClr val="000000"/>
-                </a:solidFill>
-                <a:effectLst/>
+              <a:rPr lang="ja-JP" altLang="en-US" sz="1200" kern="100" dirty="0">
+                <a:solidFill>
+                  <a:srgbClr val="000000"/>
+                </a:solidFill>
                 <a:latin typeface="ＭＳ 明朝" panose="02020609040205080304" pitchFamily="17" charset="-128"/>
                 <a:ea typeface="ＭＳ 明朝" panose="02020609040205080304" pitchFamily="17" charset="-128"/>
               </a:rPr>
-              <a:t>福岡市博多区博多駅南</a:t>
-            </a:r>
-            <a:r>
-              <a:rPr lang="en-US" sz="1200" kern="100">
-                <a:solidFill>
-                  <a:srgbClr val="000000"/>
-                </a:solidFill>
-                <a:effectLst/>
+              <a:t>佐賀県佐賀市大和町大字久池井</a:t>
+            </a:r>
+            <a:r>
+              <a:rPr lang="en-US" altLang="ja-JP" sz="1200" kern="100" dirty="0">
+                <a:solidFill>
+                  <a:srgbClr val="000000"/>
+                </a:solidFill>
                 <a:latin typeface="ＭＳ 明朝" panose="02020609040205080304" pitchFamily="17" charset="-128"/>
                 <a:ea typeface="ＭＳ 明朝" panose="02020609040205080304" pitchFamily="17" charset="-128"/>
               </a:rPr>
-              <a:t>2</a:t>
-            </a:r>
-            <a:r>
-              <a:rPr lang="ja-JP" altLang="en-US" sz="1200" kern="100">
-                <a:solidFill>
-                  <a:srgbClr val="000000"/>
-                </a:solidFill>
-                <a:effectLst/>
-                <a:latin typeface="ＭＳ 明朝" panose="02020609040205080304" pitchFamily="17" charset="-128"/>
-                <a:ea typeface="ＭＳ 明朝" panose="02020609040205080304" pitchFamily="17" charset="-128"/>
-              </a:rPr>
-              <a:t>丁目</a:t>
-            </a:r>
-            <a:r>
-              <a:rPr lang="en-US" sz="1200" kern="100">
-                <a:solidFill>
-                  <a:srgbClr val="000000"/>
-                </a:solidFill>
-                <a:effectLst/>
-                <a:latin typeface="ＭＳ 明朝" panose="02020609040205080304" pitchFamily="17" charset="-128"/>
-                <a:ea typeface="ＭＳ 明朝" panose="02020609040205080304" pitchFamily="17" charset="-128"/>
-              </a:rPr>
-              <a:t>12</a:t>
-            </a:r>
-            <a:r>
-              <a:rPr lang="ja-JP" altLang="en-US" sz="1200" kern="100">
-                <a:solidFill>
-                  <a:srgbClr val="000000"/>
-                </a:solidFill>
-                <a:effectLst/>
-                <a:latin typeface="ＭＳ 明朝" panose="02020609040205080304" pitchFamily="17" charset="-128"/>
-                <a:ea typeface="ＭＳ 明朝" panose="02020609040205080304" pitchFamily="17" charset="-128"/>
-              </a:rPr>
-              <a:t>番</a:t>
-            </a:r>
-            <a:r>
-              <a:rPr lang="en-US" sz="1200" kern="100">
-                <a:solidFill>
-                  <a:srgbClr val="000000"/>
-                </a:solidFill>
-                <a:effectLst/>
-                <a:latin typeface="ＭＳ 明朝" panose="02020609040205080304" pitchFamily="17" charset="-128"/>
-                <a:ea typeface="ＭＳ 明朝" panose="02020609040205080304" pitchFamily="17" charset="-128"/>
-              </a:rPr>
-              <a:t>32</a:t>
-            </a:r>
-            <a:r>
-              <a:rPr lang="ja-JP" altLang="en-US" sz="1200" kern="100">
-                <a:solidFill>
-                  <a:srgbClr val="000000"/>
-                </a:solidFill>
-                <a:effectLst/>
-                <a:latin typeface="ＭＳ 明朝" panose="02020609040205080304" pitchFamily="17" charset="-128"/>
-                <a:ea typeface="ＭＳ 明朝" panose="02020609040205080304" pitchFamily="17" charset="-128"/>
-              </a:rPr>
-              <a:t>号</a:t>
-            </a:r>
-            <a:endParaRPr lang="ja-JP" sz="1100" kern="100">
+              <a:t>3040</a:t>
+            </a:r>
+            <a:endParaRPr lang="ja-JP" sz="1100" kern="100" dirty="0">
               <a:solidFill>
                 <a:srgbClr val="000000"/>
               </a:solidFill>
@@ -4386,7 +4305,7 @@
               </a:spcAft>
             </a:pPr>
             <a:r>
-              <a:rPr lang="en-US" altLang="ja-JP" sz="1200" kern="100" spc="300">
+              <a:rPr lang="en-US" altLang="ja-JP" sz="1200" kern="100" spc="300" dirty="0">
                 <a:solidFill>
                   <a:srgbClr val="000000"/>
                 </a:solidFill>
@@ -4394,9 +4313,9 @@
                 <a:latin typeface="ＭＳ Ｐ明朝" panose="02020600040205080304" pitchFamily="18" charset="-128"/>
                 <a:ea typeface="Calibri" panose="020F0502020204030204" pitchFamily="34" charset="0"/>
               </a:rPr>
-              <a:t>000</a:t>
-            </a:r>
-            <a:endParaRPr lang="ja-JP" sz="1200" kern="100">
+              <a:t>62</a:t>
+            </a:r>
+            <a:endParaRPr lang="ja-JP" sz="1200" kern="100" dirty="0">
               <a:solidFill>
                 <a:srgbClr val="000000"/>
               </a:solidFill>
@@ -4446,7 +4365,7 @@
               </a:spcAft>
             </a:pPr>
             <a:r>
-              <a:rPr lang="en-US" altLang="ja-JP" sz="1200" kern="100" spc="300">
+              <a:rPr lang="en-US" altLang="ja-JP" sz="1200" kern="100" spc="300" dirty="0">
                 <a:solidFill>
                   <a:srgbClr val="000000"/>
                 </a:solidFill>
@@ -4454,9 +4373,9 @@
                 <a:latin typeface="ＭＳ Ｐ明朝" panose="02020600040205080304" pitchFamily="18" charset="-128"/>
                 <a:ea typeface="Calibri" panose="020F0502020204030204" pitchFamily="34" charset="0"/>
               </a:rPr>
-              <a:t>0000</a:t>
-            </a:r>
-            <a:endParaRPr lang="ja-JP" sz="1200" kern="100">
+              <a:t>2747</a:t>
+            </a:r>
+            <a:endParaRPr lang="ja-JP" sz="1200" kern="100" dirty="0">
               <a:solidFill>
                 <a:srgbClr val="000000"/>
               </a:solidFill>
@@ -4506,7 +4425,7 @@
               </a:spcAft>
             </a:pPr>
             <a:r>
-              <a:rPr lang="en-US" sz="1200" kern="100" spc="300">
+              <a:rPr lang="en-US" sz="1200" kern="100" spc="300" dirty="0">
                 <a:solidFill>
                   <a:srgbClr val="000000"/>
                 </a:solidFill>
@@ -4514,9 +4433,9 @@
                 <a:latin typeface="ＭＳ Ｐ明朝" panose="02020600040205080304" pitchFamily="18" charset="-128"/>
                 <a:ea typeface="Calibri" panose="020F0502020204030204" pitchFamily="34" charset="0"/>
               </a:rPr>
-              <a:t>092</a:t>
-            </a:r>
-            <a:endParaRPr lang="ja-JP" sz="1200" kern="100">
+              <a:t>0952</a:t>
+            </a:r>
+            <a:endParaRPr lang="ja-JP" sz="1200" kern="100" dirty="0">
               <a:solidFill>
                 <a:srgbClr val="000000"/>
               </a:solidFill>
@@ -4566,21 +4485,19 @@
               </a:spcAft>
             </a:pPr>
             <a:r>
-              <a:rPr lang="ja-JP" sz="1050" kern="100">
-                <a:solidFill>
-                  <a:srgbClr val="000000"/>
-                </a:solidFill>
-                <a:effectLst/>
+              <a:rPr lang="ja-JP" altLang="en-US" sz="1050" kern="100" dirty="0">
+                <a:solidFill>
+                  <a:srgbClr val="000000"/>
+                </a:solidFill>
                 <a:latin typeface="Calibri" panose="020F0502020204030204" pitchFamily="34" charset="0"/>
                 <a:ea typeface="ＭＳ Ｐ明朝" panose="02020600040205080304" pitchFamily="18" charset="-128"/>
               </a:rPr>
-              <a:t>ふくおかし　はかたく　はかたえき みなみ</a:t>
-            </a:r>
-            <a:endParaRPr lang="ja-JP" sz="1100" kern="100">
+              <a:t>さがけん　さがし　やまとまち　おおあざ　くちい</a:t>
+            </a:r>
+            <a:endParaRPr lang="ja-JP" altLang="ja-JP" sz="1100" kern="100" dirty="0">
               <a:solidFill>
                 <a:srgbClr val="000000"/>
               </a:solidFill>
-              <a:effectLst/>
               <a:latin typeface="Calibri" panose="020F0502020204030204" pitchFamily="34" charset="0"/>
               <a:ea typeface="Calibri" panose="020F0502020204030204" pitchFamily="34" charset="0"/>
             </a:endParaRPr>
@@ -4626,17 +4543,16 @@
               </a:spcAft>
             </a:pPr>
             <a:r>
-              <a:rPr lang="en-US" sz="1200" kern="100" spc="300">
-                <a:solidFill>
-                  <a:srgbClr val="000000"/>
-                </a:solidFill>
-                <a:effectLst/>
+              <a:rPr lang="en-US" altLang="ja-JP" sz="1200" kern="100" spc="300" dirty="0">
+                <a:solidFill>
+                  <a:srgbClr val="000000"/>
+                </a:solidFill>
                 <a:latin typeface="ＭＳ Ｐ明朝" panose="02020600040205080304" pitchFamily="18" charset="-128"/>
                 <a:ea typeface="Calibri" panose="020F0502020204030204" pitchFamily="34" charset="0"/>
               </a:rPr>
-              <a:t>812</a:t>
-            </a:r>
-            <a:endParaRPr lang="ja-JP" sz="1200" kern="100">
+              <a:t>840</a:t>
+            </a:r>
+            <a:endParaRPr lang="ja-JP" sz="1200" kern="100" dirty="0">
               <a:solidFill>
                 <a:srgbClr val="000000"/>
               </a:solidFill>
@@ -4686,214 +4602,31 @@
               </a:spcAft>
             </a:pPr>
             <a:r>
-              <a:rPr lang="ja-JP" sz="1200" kern="100">
-                <a:solidFill>
-                  <a:srgbClr val="000000"/>
-                </a:solidFill>
-                <a:effectLst/>
+              <a:rPr lang="ja-JP" altLang="en-US" sz="1200" kern="100" dirty="0">
+                <a:solidFill>
+                  <a:srgbClr val="000000"/>
+                </a:solidFill>
                 <a:latin typeface="ＭＳ 明朝" panose="02020609040205080304" pitchFamily="17" charset="-128"/>
                 <a:ea typeface="ＭＳ 明朝" panose="02020609040205080304" pitchFamily="17" charset="-128"/>
               </a:rPr>
-              <a:t>福岡市博多区博多駅南</a:t>
-            </a:r>
-            <a:r>
-              <a:rPr lang="en-US" sz="1200" kern="100">
-                <a:solidFill>
-                  <a:srgbClr val="000000"/>
-                </a:solidFill>
-                <a:effectLst/>
+              <a:t>佐賀県佐賀市大和町大字久池井</a:t>
+            </a:r>
+            <a:r>
+              <a:rPr lang="en-US" altLang="ja-JP" sz="1200" kern="100" dirty="0">
+                <a:solidFill>
+                  <a:srgbClr val="000000"/>
+                </a:solidFill>
                 <a:latin typeface="ＭＳ 明朝" panose="02020609040205080304" pitchFamily="17" charset="-128"/>
                 <a:ea typeface="ＭＳ 明朝" panose="02020609040205080304" pitchFamily="17" charset="-128"/>
               </a:rPr>
-              <a:t>2-12-32</a:t>
-            </a:r>
-            <a:endParaRPr lang="ja-JP" sz="1100" kern="100">
+              <a:t>3040</a:t>
+            </a:r>
+            <a:endParaRPr lang="ja-JP" altLang="ja-JP" sz="1100" kern="100" dirty="0">
               <a:solidFill>
                 <a:srgbClr val="000000"/>
               </a:solidFill>
-              <a:effectLst/>
               <a:latin typeface="ＭＳ 明朝" panose="02020609040205080304" pitchFamily="17" charset="-128"/>
               <a:ea typeface="ＭＳ 明朝" panose="02020609040205080304" pitchFamily="17" charset="-128"/>
-            </a:endParaRPr>
-          </a:p>
-        </p:txBody>
-      </p:sp>
-      <p:sp>
-        <p:nvSpPr>
-          <p:cNvPr id="26" name="テキスト ボックス 2"/>
-          <p:cNvSpPr txBox="1">
-            <a:spLocks noChangeArrowheads="1"/>
-          </p:cNvSpPr>
-          <p:nvPr/>
-        </p:nvSpPr>
-        <p:spPr bwMode="auto">
-          <a:xfrm>
-            <a:off x="5914073" y="3537744"/>
-            <a:ext cx="571500" cy="171450"/>
-          </a:xfrm>
-          <a:prstGeom prst="rect">
-            <a:avLst/>
-          </a:prstGeom>
-          <a:noFill/>
-          <a:ln w="9525">
-            <a:noFill/>
-            <a:miter lim="800000"/>
-            <a:headEnd/>
-            <a:tailEnd/>
-          </a:ln>
-        </p:spPr>
-        <p:txBody>
-          <a:bodyPr rot="0" vert="horz" wrap="square" lIns="36000" tIns="0" rIns="36000" bIns="0" anchor="t" anchorCtr="0">
-            <a:noAutofit/>
-          </a:bodyPr>
-          <a:lstStyle/>
-          <a:p>
-            <a:pPr>
-              <a:lnSpc>
-                <a:spcPct val="107000"/>
-              </a:lnSpc>
-              <a:spcAft>
-                <a:spcPts val="800"/>
-              </a:spcAft>
-            </a:pPr>
-            <a:r>
-              <a:rPr lang="en-US" altLang="ja-JP" sz="1200" kern="100" spc="300">
-                <a:solidFill>
-                  <a:srgbClr val="000000"/>
-                </a:solidFill>
-                <a:effectLst/>
-                <a:latin typeface="ＭＳ Ｐ明朝" panose="02020600040205080304" pitchFamily="18" charset="-128"/>
-                <a:ea typeface="Calibri" panose="020F0502020204030204" pitchFamily="34" charset="0"/>
-              </a:rPr>
-              <a:t>000</a:t>
-            </a:r>
-            <a:endParaRPr lang="ja-JP" sz="1200" kern="100">
-              <a:solidFill>
-                <a:srgbClr val="000000"/>
-              </a:solidFill>
-              <a:effectLst/>
-              <a:latin typeface="Calibri" panose="020F0502020204030204" pitchFamily="34" charset="0"/>
-              <a:ea typeface="Calibri" panose="020F0502020204030204" pitchFamily="34" charset="0"/>
-            </a:endParaRPr>
-          </a:p>
-        </p:txBody>
-      </p:sp>
-      <p:sp>
-        <p:nvSpPr>
-          <p:cNvPr id="27" name="テキスト ボックス 2"/>
-          <p:cNvSpPr txBox="1">
-            <a:spLocks noChangeArrowheads="1"/>
-          </p:cNvSpPr>
-          <p:nvPr/>
-        </p:nvSpPr>
-        <p:spPr bwMode="auto">
-          <a:xfrm>
-            <a:off x="6523673" y="3537744"/>
-            <a:ext cx="571500" cy="171450"/>
-          </a:xfrm>
-          <a:prstGeom prst="rect">
-            <a:avLst/>
-          </a:prstGeom>
-          <a:noFill/>
-          <a:ln w="9525">
-            <a:noFill/>
-            <a:miter lim="800000"/>
-            <a:headEnd/>
-            <a:tailEnd/>
-          </a:ln>
-        </p:spPr>
-        <p:txBody>
-          <a:bodyPr rot="0" vert="horz" wrap="square" lIns="36000" tIns="0" rIns="36000" bIns="0" anchor="t" anchorCtr="0">
-            <a:noAutofit/>
-          </a:bodyPr>
-          <a:lstStyle/>
-          <a:p>
-            <a:pPr>
-              <a:lnSpc>
-                <a:spcPct val="107000"/>
-              </a:lnSpc>
-              <a:spcAft>
-                <a:spcPts val="800"/>
-              </a:spcAft>
-            </a:pPr>
-            <a:r>
-              <a:rPr lang="en-US" altLang="ja-JP" sz="1200" kern="100" spc="300">
-                <a:solidFill>
-                  <a:srgbClr val="000000"/>
-                </a:solidFill>
-                <a:effectLst/>
-                <a:latin typeface="ＭＳ Ｐ明朝" panose="02020600040205080304" pitchFamily="18" charset="-128"/>
-                <a:ea typeface="Calibri" panose="020F0502020204030204" pitchFamily="34" charset="0"/>
-              </a:rPr>
-              <a:t>0000</a:t>
-            </a:r>
-            <a:endParaRPr lang="ja-JP" sz="1200" kern="100">
-              <a:solidFill>
-                <a:srgbClr val="000000"/>
-              </a:solidFill>
-              <a:effectLst/>
-              <a:latin typeface="Calibri" panose="020F0502020204030204" pitchFamily="34" charset="0"/>
-              <a:ea typeface="Calibri" panose="020F0502020204030204" pitchFamily="34" charset="0"/>
-            </a:endParaRPr>
-          </a:p>
-        </p:txBody>
-      </p:sp>
-      <p:sp>
-        <p:nvSpPr>
-          <p:cNvPr id="28" name="テキスト ボックス 2"/>
-          <p:cNvSpPr txBox="1">
-            <a:spLocks noChangeArrowheads="1"/>
-          </p:cNvSpPr>
-          <p:nvPr/>
-        </p:nvSpPr>
-        <p:spPr bwMode="auto">
-          <a:xfrm>
-            <a:off x="6447473" y="3251994"/>
-            <a:ext cx="571500" cy="171450"/>
-          </a:xfrm>
-          <a:prstGeom prst="rect">
-            <a:avLst/>
-          </a:prstGeom>
-          <a:noFill/>
-          <a:ln w="9525">
-            <a:noFill/>
-            <a:miter lim="800000"/>
-            <a:headEnd/>
-            <a:tailEnd/>
-          </a:ln>
-        </p:spPr>
-        <p:txBody>
-          <a:bodyPr rot="0" vert="horz" wrap="square" lIns="36000" tIns="0" rIns="36000" bIns="0" anchor="t" anchorCtr="0">
-            <a:noAutofit/>
-          </a:bodyPr>
-          <a:lstStyle/>
-          <a:p>
-            <a:pPr>
-              <a:lnSpc>
-                <a:spcPct val="107000"/>
-              </a:lnSpc>
-              <a:spcAft>
-                <a:spcPts val="800"/>
-              </a:spcAft>
-            </a:pPr>
-            <a:r>
-              <a:rPr lang="en-US" sz="1200" kern="100" spc="300">
-                <a:solidFill>
-                  <a:srgbClr val="000000"/>
-                </a:solidFill>
-                <a:effectLst/>
-                <a:latin typeface="ＭＳ Ｐ明朝" panose="02020600040205080304" pitchFamily="18" charset="-128"/>
-                <a:ea typeface="Calibri" panose="020F0502020204030204" pitchFamily="34" charset="0"/>
-              </a:rPr>
-              <a:t>092</a:t>
-            </a:r>
-            <a:endParaRPr lang="ja-JP" sz="1200" kern="100">
-              <a:solidFill>
-                <a:srgbClr val="000000"/>
-              </a:solidFill>
-              <a:effectLst/>
-              <a:latin typeface="Calibri" panose="020F0502020204030204" pitchFamily="34" charset="0"/>
-              <a:ea typeface="Calibri" panose="020F0502020204030204" pitchFamily="34" charset="0"/>
             </a:endParaRPr>
           </a:p>
         </p:txBody>
@@ -5088,7 +4821,7 @@
         <p:spPr>
           <a:xfrm>
             <a:off x="2040115" y="4447931"/>
-            <a:ext cx="2856493" cy="345351"/>
+            <a:ext cx="2856493" cy="319768"/>
           </a:xfrm>
           <a:prstGeom prst="rect">
             <a:avLst/>
@@ -5110,15 +4843,409 @@
               </a:spcAft>
             </a:pPr>
             <a:r>
-              <a:rPr lang="ja-JP" altLang="ja-JP" sz="1200" kern="100">
+              <a:rPr lang="ja-JP" altLang="en-US" sz="1200" kern="100" dirty="0">
                 <a:solidFill>
                   <a:srgbClr val="000000"/>
                 </a:solidFill>
                 <a:latin typeface="Calibri" panose="020F0502020204030204" pitchFamily="34" charset="0"/>
                 <a:ea typeface="ＭＳ Ｐ明朝" panose="02020600040205080304" pitchFamily="18" charset="-128"/>
               </a:rPr>
-              <a:t>福岡市市立博多中学校</a:t>
-            </a:r>
+              <a:t>佐賀</a:t>
+            </a:r>
+            <a:r>
+              <a:rPr lang="ja-JP" altLang="ja-JP" sz="1200" kern="100" dirty="0">
+                <a:solidFill>
+                  <a:srgbClr val="000000"/>
+                </a:solidFill>
+                <a:latin typeface="Calibri" panose="020F0502020204030204" pitchFamily="34" charset="0"/>
+                <a:ea typeface="ＭＳ Ｐ明朝" panose="02020600040205080304" pitchFamily="18" charset="-128"/>
+              </a:rPr>
+              <a:t>市立</a:t>
+            </a:r>
+            <a:r>
+              <a:rPr lang="ja-JP" altLang="en-US" sz="1200" kern="100" dirty="0">
+                <a:solidFill>
+                  <a:srgbClr val="000000"/>
+                </a:solidFill>
+                <a:latin typeface="Calibri" panose="020F0502020204030204" pitchFamily="34" charset="0"/>
+                <a:ea typeface="ＭＳ Ｐ明朝" panose="02020600040205080304" pitchFamily="18" charset="-128"/>
+              </a:rPr>
+              <a:t>大和</a:t>
+            </a:r>
+            <a:r>
+              <a:rPr lang="ja-JP" altLang="ja-JP" sz="1200" kern="100" dirty="0">
+                <a:solidFill>
+                  <a:srgbClr val="000000"/>
+                </a:solidFill>
+                <a:latin typeface="Calibri" panose="020F0502020204030204" pitchFamily="34" charset="0"/>
+                <a:ea typeface="ＭＳ Ｐ明朝" panose="02020600040205080304" pitchFamily="18" charset="-128"/>
+              </a:rPr>
+              <a:t>中学校</a:t>
+            </a:r>
+            <a:r>
+              <a:rPr lang="ja-JP" altLang="en-US" sz="1200" kern="100" dirty="0">
+                <a:solidFill>
+                  <a:srgbClr val="000000"/>
+                </a:solidFill>
+                <a:latin typeface="Calibri" panose="020F0502020204030204" pitchFamily="34" charset="0"/>
+                <a:ea typeface="ＭＳ Ｐ明朝" panose="02020600040205080304" pitchFamily="18" charset="-128"/>
+              </a:rPr>
+              <a:t>　</a:t>
+            </a:r>
+            <a:r>
+              <a:rPr lang="ja-JP" altLang="ja-JP" sz="1200" kern="100" dirty="0">
+                <a:solidFill>
+                  <a:srgbClr val="000000"/>
+                </a:solidFill>
+                <a:latin typeface="Calibri" panose="020F0502020204030204" pitchFamily="34" charset="0"/>
+                <a:ea typeface="ＭＳ Ｐ明朝" panose="02020600040205080304" pitchFamily="18" charset="-128"/>
+              </a:rPr>
+              <a:t>卒業</a:t>
+            </a:r>
+            <a:endParaRPr lang="ja-JP" altLang="ja-JP" sz="1200" kern="100" dirty="0">
+              <a:solidFill>
+                <a:srgbClr val="000000"/>
+              </a:solidFill>
+              <a:latin typeface="Calibri" panose="020F0502020204030204" pitchFamily="34" charset="0"/>
+              <a:ea typeface="Calibri" panose="020F0502020204030204" pitchFamily="34" charset="0"/>
+            </a:endParaRPr>
+          </a:p>
+        </p:txBody>
+      </p:sp>
+      <p:sp>
+        <p:nvSpPr>
+          <p:cNvPr id="33" name="テキスト ボックス 32"/>
+          <p:cNvSpPr txBox="1"/>
+          <p:nvPr/>
+        </p:nvSpPr>
+        <p:spPr>
+          <a:xfrm>
+            <a:off x="2040114" y="4756709"/>
+            <a:ext cx="2856493" cy="319768"/>
+          </a:xfrm>
+          <a:prstGeom prst="rect">
+            <a:avLst/>
+          </a:prstGeom>
+          <a:noFill/>
+        </p:spPr>
+        <p:txBody>
+          <a:bodyPr wrap="square" rtlCol="0">
+            <a:spAutoFit/>
+          </a:bodyPr>
+          <a:lstStyle/>
+          <a:p>
+            <a:pPr>
+              <a:lnSpc>
+                <a:spcPct val="137000"/>
+              </a:lnSpc>
+              <a:spcAft>
+                <a:spcPts val="0"/>
+              </a:spcAft>
+            </a:pPr>
+            <a:r>
+              <a:rPr lang="ja-JP" altLang="en-US" sz="1200" kern="100" dirty="0">
+                <a:solidFill>
+                  <a:srgbClr val="000000"/>
+                </a:solidFill>
+                <a:latin typeface="Calibri" panose="020F0502020204030204" pitchFamily="34" charset="0"/>
+                <a:ea typeface="ＭＳ Ｐ明朝" panose="02020600040205080304" pitchFamily="18" charset="-128"/>
+              </a:rPr>
+              <a:t>佐賀</a:t>
+            </a:r>
+            <a:r>
+              <a:rPr lang="ja-JP" altLang="ja-JP" sz="1200" kern="100" dirty="0">
+                <a:solidFill>
+                  <a:srgbClr val="000000"/>
+                </a:solidFill>
+                <a:latin typeface="Calibri" panose="020F0502020204030204" pitchFamily="34" charset="0"/>
+                <a:ea typeface="ＭＳ Ｐ明朝" panose="02020600040205080304" pitchFamily="18" charset="-128"/>
+              </a:rPr>
+              <a:t>県立</a:t>
+            </a:r>
+            <a:r>
+              <a:rPr lang="ja-JP" altLang="en-US" sz="1200" kern="100" dirty="0">
+                <a:solidFill>
+                  <a:srgbClr val="000000"/>
+                </a:solidFill>
+                <a:latin typeface="Calibri" panose="020F0502020204030204" pitchFamily="34" charset="0"/>
+                <a:ea typeface="ＭＳ Ｐ明朝" panose="02020600040205080304" pitchFamily="18" charset="-128"/>
+              </a:rPr>
+              <a:t>佐賀工業高等</a:t>
+            </a:r>
+            <a:r>
+              <a:rPr lang="ja-JP" altLang="ja-JP" sz="1200" kern="100" dirty="0">
+                <a:solidFill>
+                  <a:srgbClr val="000000"/>
+                </a:solidFill>
+                <a:latin typeface="Calibri" panose="020F0502020204030204" pitchFamily="34" charset="0"/>
+                <a:ea typeface="ＭＳ Ｐ明朝" panose="02020600040205080304" pitchFamily="18" charset="-128"/>
+              </a:rPr>
+              <a:t>学校</a:t>
+            </a:r>
+            <a:r>
+              <a:rPr lang="ja-JP" altLang="en-US" sz="1200" kern="100" dirty="0">
+                <a:solidFill>
+                  <a:srgbClr val="000000"/>
+                </a:solidFill>
+                <a:latin typeface="Calibri" panose="020F0502020204030204" pitchFamily="34" charset="0"/>
+                <a:ea typeface="ＭＳ Ｐ明朝" panose="02020600040205080304" pitchFamily="18" charset="-128"/>
+              </a:rPr>
+              <a:t>　</a:t>
+            </a:r>
+            <a:r>
+              <a:rPr lang="ja-JP" altLang="ja-JP" sz="1200" kern="100" dirty="0">
+                <a:solidFill>
+                  <a:srgbClr val="000000"/>
+                </a:solidFill>
+                <a:latin typeface="Calibri" panose="020F0502020204030204" pitchFamily="34" charset="0"/>
+                <a:ea typeface="ＭＳ Ｐ明朝" panose="02020600040205080304" pitchFamily="18" charset="-128"/>
+              </a:rPr>
+              <a:t>入学</a:t>
+            </a:r>
+            <a:endParaRPr lang="ja-JP" altLang="ja-JP" sz="1200" kern="100" dirty="0">
+              <a:solidFill>
+                <a:srgbClr val="000000"/>
+              </a:solidFill>
+              <a:latin typeface="Calibri" panose="020F0502020204030204" pitchFamily="34" charset="0"/>
+              <a:ea typeface="Calibri" panose="020F0502020204030204" pitchFamily="34" charset="0"/>
+            </a:endParaRPr>
+          </a:p>
+        </p:txBody>
+      </p:sp>
+      <p:sp>
+        <p:nvSpPr>
+          <p:cNvPr id="34" name="テキスト ボックス 33"/>
+          <p:cNvSpPr txBox="1"/>
+          <p:nvPr/>
+        </p:nvSpPr>
+        <p:spPr>
+          <a:xfrm>
+            <a:off x="2038685" y="5078984"/>
+            <a:ext cx="2856493" cy="319768"/>
+          </a:xfrm>
+          <a:prstGeom prst="rect">
+            <a:avLst/>
+          </a:prstGeom>
+          <a:noFill/>
+        </p:spPr>
+        <p:txBody>
+          <a:bodyPr wrap="square" rtlCol="0">
+            <a:spAutoFit/>
+          </a:bodyPr>
+          <a:lstStyle/>
+          <a:p>
+            <a:pPr>
+              <a:lnSpc>
+                <a:spcPct val="137000"/>
+              </a:lnSpc>
+              <a:spcAft>
+                <a:spcPts val="0"/>
+              </a:spcAft>
+            </a:pPr>
+            <a:r>
+              <a:rPr lang="ja-JP" altLang="en-US" sz="1200" kern="100" dirty="0">
+                <a:solidFill>
+                  <a:srgbClr val="000000"/>
+                </a:solidFill>
+                <a:latin typeface="Calibri" panose="020F0502020204030204" pitchFamily="34" charset="0"/>
+                <a:ea typeface="ＭＳ Ｐ明朝" panose="02020600040205080304" pitchFamily="18" charset="-128"/>
+              </a:rPr>
+              <a:t>佐賀</a:t>
+            </a:r>
+            <a:r>
+              <a:rPr lang="ja-JP" altLang="ja-JP" sz="1200" kern="100" dirty="0">
+                <a:solidFill>
+                  <a:srgbClr val="000000"/>
+                </a:solidFill>
+                <a:latin typeface="Calibri" panose="020F0502020204030204" pitchFamily="34" charset="0"/>
+                <a:ea typeface="ＭＳ Ｐ明朝" panose="02020600040205080304" pitchFamily="18" charset="-128"/>
+              </a:rPr>
+              <a:t>県立</a:t>
+            </a:r>
+            <a:r>
+              <a:rPr lang="ja-JP" altLang="en-US" sz="1200" kern="100" dirty="0">
+                <a:solidFill>
+                  <a:srgbClr val="000000"/>
+                </a:solidFill>
+                <a:latin typeface="Calibri" panose="020F0502020204030204" pitchFamily="34" charset="0"/>
+                <a:ea typeface="ＭＳ Ｐ明朝" panose="02020600040205080304" pitchFamily="18" charset="-128"/>
+              </a:rPr>
+              <a:t>佐賀工業</a:t>
+            </a:r>
+            <a:r>
+              <a:rPr lang="ja-JP" altLang="ja-JP" sz="1200" kern="100" dirty="0">
+                <a:solidFill>
+                  <a:srgbClr val="000000"/>
+                </a:solidFill>
+                <a:latin typeface="Calibri" panose="020F0502020204030204" pitchFamily="34" charset="0"/>
+                <a:ea typeface="ＭＳ Ｐ明朝" panose="02020600040205080304" pitchFamily="18" charset="-128"/>
+              </a:rPr>
+              <a:t>高等学校</a:t>
+            </a:r>
+            <a:r>
+              <a:rPr lang="ja-JP" altLang="en-US" sz="1200" kern="100" dirty="0">
+                <a:solidFill>
+                  <a:srgbClr val="000000"/>
+                </a:solidFill>
+                <a:latin typeface="Calibri" panose="020F0502020204030204" pitchFamily="34" charset="0"/>
+                <a:ea typeface="ＭＳ Ｐ明朝" panose="02020600040205080304" pitchFamily="18" charset="-128"/>
+              </a:rPr>
+              <a:t>　</a:t>
+            </a:r>
+            <a:r>
+              <a:rPr lang="ja-JP" altLang="ja-JP" sz="1200" kern="100" dirty="0">
+                <a:solidFill>
+                  <a:srgbClr val="000000"/>
+                </a:solidFill>
+                <a:latin typeface="Calibri" panose="020F0502020204030204" pitchFamily="34" charset="0"/>
+                <a:ea typeface="ＭＳ Ｐ明朝" panose="02020600040205080304" pitchFamily="18" charset="-128"/>
+              </a:rPr>
+              <a:t>卒業</a:t>
+            </a:r>
+            <a:endParaRPr lang="ja-JP" altLang="ja-JP" sz="1200" kern="100" dirty="0">
+              <a:solidFill>
+                <a:srgbClr val="000000"/>
+              </a:solidFill>
+              <a:latin typeface="Calibri" panose="020F0502020204030204" pitchFamily="34" charset="0"/>
+              <a:ea typeface="Calibri" panose="020F0502020204030204" pitchFamily="34" charset="0"/>
+            </a:endParaRPr>
+          </a:p>
+        </p:txBody>
+      </p:sp>
+      <p:sp>
+        <p:nvSpPr>
+          <p:cNvPr id="35" name="テキスト ボックス 34"/>
+          <p:cNvSpPr txBox="1"/>
+          <p:nvPr/>
+        </p:nvSpPr>
+        <p:spPr>
+          <a:xfrm>
+            <a:off x="2023956" y="5407104"/>
+            <a:ext cx="5300972" cy="272062"/>
+          </a:xfrm>
+          <a:prstGeom prst="rect">
+            <a:avLst/>
+          </a:prstGeom>
+          <a:noFill/>
+        </p:spPr>
+        <p:txBody>
+          <a:bodyPr wrap="square" rtlCol="0">
+            <a:spAutoFit/>
+          </a:bodyPr>
+          <a:lstStyle/>
+          <a:p>
+            <a:pPr>
+              <a:lnSpc>
+                <a:spcPct val="137000"/>
+              </a:lnSpc>
+              <a:spcAft>
+                <a:spcPts val="0"/>
+              </a:spcAft>
+            </a:pPr>
+            <a:r>
+              <a:rPr lang="ja-JP" altLang="en-US" sz="1000" dirty="0">
+                <a:latin typeface="ＭＳ 明朝" panose="02020609040205080304" pitchFamily="17" charset="-128"/>
+                <a:ea typeface="ＭＳ 明朝" panose="02020609040205080304" pitchFamily="17" charset="-128"/>
+              </a:rPr>
+              <a:t>ＡＳＯポップカルチャー専門学校 ゲーム・ＣＧ・アニメ科ゲーム専攻科入学</a:t>
+            </a:r>
+            <a:endParaRPr lang="ja-JP" altLang="ja-JP" sz="1000" kern="100" dirty="0">
+              <a:solidFill>
+                <a:srgbClr val="000000"/>
+              </a:solidFill>
+              <a:latin typeface="ＭＳ 明朝" panose="02020609040205080304" pitchFamily="17" charset="-128"/>
+              <a:ea typeface="ＭＳ 明朝" panose="02020609040205080304" pitchFamily="17" charset="-128"/>
+            </a:endParaRPr>
+          </a:p>
+        </p:txBody>
+      </p:sp>
+      <p:sp>
+        <p:nvSpPr>
+          <p:cNvPr id="36" name="テキスト ボックス 35"/>
+          <p:cNvSpPr txBox="1"/>
+          <p:nvPr/>
+        </p:nvSpPr>
+        <p:spPr>
+          <a:xfrm>
+            <a:off x="2023956" y="5728878"/>
+            <a:ext cx="5300971" cy="281808"/>
+          </a:xfrm>
+          <a:prstGeom prst="rect">
+            <a:avLst/>
+          </a:prstGeom>
+          <a:noFill/>
+        </p:spPr>
+        <p:txBody>
+          <a:bodyPr wrap="square" rtlCol="0">
+            <a:spAutoFit/>
+          </a:bodyPr>
+          <a:lstStyle/>
+          <a:p>
+            <a:pPr>
+              <a:lnSpc>
+                <a:spcPct val="137000"/>
+              </a:lnSpc>
+              <a:spcAft>
+                <a:spcPts val="0"/>
+              </a:spcAft>
+            </a:pPr>
+            <a:r>
+              <a:rPr lang="ja-JP" altLang="en-US" sz="1000" dirty="0">
+                <a:latin typeface="ＭＳ 明朝" panose="02020609040205080304" pitchFamily="17" charset="-128"/>
+                <a:ea typeface="ＭＳ 明朝" panose="02020609040205080304" pitchFamily="17" charset="-128"/>
+              </a:rPr>
+              <a:t>ＡＳＯポップカルチャー専門学校ゲーム・ＣＧ・アニメ科ゲーム専攻科</a:t>
+            </a:r>
+            <a:r>
+              <a:rPr lang="ja-JP" altLang="en-US" sz="1000" kern="100" dirty="0">
+                <a:solidFill>
+                  <a:srgbClr val="000000"/>
+                </a:solidFill>
+                <a:latin typeface="Calibri" panose="020F0502020204030204" pitchFamily="34" charset="0"/>
+                <a:ea typeface="ＭＳ Ｐ明朝" panose="02020600040205080304" pitchFamily="18" charset="-128"/>
+              </a:rPr>
+              <a:t>卒業見込み</a:t>
+            </a:r>
+            <a:endParaRPr lang="ja-JP" altLang="ja-JP" sz="1000" kern="100" dirty="0">
+              <a:solidFill>
+                <a:srgbClr val="000000"/>
+              </a:solidFill>
+              <a:latin typeface="Calibri" panose="020F0502020204030204" pitchFamily="34" charset="0"/>
+              <a:ea typeface="Calibri" panose="020F0502020204030204" pitchFamily="34" charset="0"/>
+            </a:endParaRPr>
+          </a:p>
+        </p:txBody>
+      </p:sp>
+      <p:sp>
+        <p:nvSpPr>
+          <p:cNvPr id="38" name="テキスト ボックス 37"/>
+          <p:cNvSpPr txBox="1"/>
+          <p:nvPr/>
+        </p:nvSpPr>
+        <p:spPr>
+          <a:xfrm>
+            <a:off x="4063174" y="4152973"/>
+            <a:ext cx="710510" cy="345351"/>
+          </a:xfrm>
+          <a:prstGeom prst="rect">
+            <a:avLst/>
+          </a:prstGeom>
+          <a:noFill/>
+        </p:spPr>
+        <p:txBody>
+          <a:bodyPr wrap="square" rtlCol="0">
+            <a:spAutoFit/>
+          </a:bodyPr>
+          <a:lstStyle/>
+          <a:p>
+            <a:pPr algn="ctr">
+              <a:lnSpc>
+                <a:spcPct val="137000"/>
+              </a:lnSpc>
+              <a:spcAft>
+                <a:spcPts val="0"/>
+              </a:spcAft>
+            </a:pPr>
             <a:r>
               <a:rPr lang="ja-JP" altLang="en-US" sz="1200" kern="100">
                 <a:solidFill>
@@ -5127,17 +5254,7 @@
                 <a:latin typeface="Calibri" panose="020F0502020204030204" pitchFamily="34" charset="0"/>
                 <a:ea typeface="ＭＳ Ｐ明朝" panose="02020600040205080304" pitchFamily="18" charset="-128"/>
               </a:rPr>
-              <a:t>　</a:t>
-            </a:r>
-            <a:r>
-              <a:rPr lang="ja-JP" altLang="ja-JP" sz="1200" kern="100">
-                <a:solidFill>
-                  <a:srgbClr val="000000"/>
-                </a:solidFill>
-                <a:latin typeface="Calibri" panose="020F0502020204030204" pitchFamily="34" charset="0"/>
-                <a:ea typeface="ＭＳ Ｐ明朝" panose="02020600040205080304" pitchFamily="18" charset="-128"/>
-              </a:rPr>
-              <a:t>卒業</a:t>
+              <a:t>学歴</a:t>
             </a:r>
             <a:endParaRPr lang="ja-JP" altLang="ja-JP" sz="1200" kern="100">
               <a:solidFill>
@@ -5151,14 +5268,14 @@
       </p:sp>
       <p:sp>
         <p:nvSpPr>
-          <p:cNvPr id="33" name="テキスト ボックス 32"/>
+          <p:cNvPr id="39" name="テキスト ボックス 38"/>
           <p:cNvSpPr txBox="1"/>
           <p:nvPr/>
         </p:nvSpPr>
         <p:spPr>
           <a:xfrm>
-            <a:off x="2040114" y="4756709"/>
-            <a:ext cx="2856493" cy="345351"/>
+            <a:off x="4108840" y="6010048"/>
+            <a:ext cx="710510" cy="345351"/>
           </a:xfrm>
           <a:prstGeom prst="rect">
             <a:avLst/>
@@ -5171,7 +5288,7 @@
           </a:bodyPr>
           <a:lstStyle/>
           <a:p>
-            <a:pPr>
+            <a:pPr algn="ctr">
               <a:lnSpc>
                 <a:spcPct val="137000"/>
               </a:lnSpc>
@@ -5180,15 +5297,175 @@
               </a:spcAft>
             </a:pPr>
             <a:r>
-              <a:rPr lang="ja-JP" altLang="ja-JP" sz="1200" kern="100">
+              <a:rPr lang="ja-JP" altLang="en-US" sz="1200" kern="100">
+                <a:solidFill>
+                  <a:srgbClr val="000000"/>
+                </a:solidFill>
+                <a:latin typeface="ＭＳ Ｐ明朝" panose="02020600040205080304" pitchFamily="18" charset="-128"/>
+                <a:ea typeface="ＭＳ Ｐ明朝" panose="02020600040205080304" pitchFamily="18" charset="-128"/>
+              </a:rPr>
+              <a:t>資格</a:t>
+            </a:r>
+            <a:endParaRPr lang="ja-JP" altLang="ja-JP" sz="1200" kern="100">
+              <a:solidFill>
+                <a:srgbClr val="000000"/>
+              </a:solidFill>
+              <a:latin typeface="ＭＳ Ｐ明朝" panose="02020600040205080304" pitchFamily="18" charset="-128"/>
+              <a:ea typeface="ＭＳ Ｐ明朝" panose="02020600040205080304" pitchFamily="18" charset="-128"/>
+            </a:endParaRPr>
+          </a:p>
+        </p:txBody>
+      </p:sp>
+      <p:sp>
+        <p:nvSpPr>
+          <p:cNvPr id="40" name="テキスト ボックス 39"/>
+          <p:cNvSpPr txBox="1"/>
+          <p:nvPr/>
+        </p:nvSpPr>
+        <p:spPr>
+          <a:xfrm>
+            <a:off x="710845" y="4449636"/>
+            <a:ext cx="510681" cy="345351"/>
+          </a:xfrm>
+          <a:prstGeom prst="rect">
+            <a:avLst/>
+          </a:prstGeom>
+          <a:noFill/>
+        </p:spPr>
+        <p:txBody>
+          <a:bodyPr wrap="square" rtlCol="0">
+            <a:spAutoFit/>
+          </a:bodyPr>
+          <a:lstStyle/>
+          <a:p>
+            <a:pPr algn="ctr">
+              <a:lnSpc>
+                <a:spcPct val="137000"/>
+              </a:lnSpc>
+              <a:spcAft>
+                <a:spcPts val="0"/>
+              </a:spcAft>
+            </a:pPr>
+            <a:r>
+              <a:rPr lang="ja-JP" altLang="en-US" sz="1200" kern="100">
                 <a:solidFill>
                   <a:srgbClr val="000000"/>
                 </a:solidFill>
                 <a:latin typeface="Calibri" panose="020F0502020204030204" pitchFamily="34" charset="0"/>
                 <a:ea typeface="ＭＳ Ｐ明朝" panose="02020600040205080304" pitchFamily="18" charset="-128"/>
               </a:rPr>
-              <a:t>福岡県立博多南高等学校</a:t>
-            </a:r>
+              <a:t>平成</a:t>
+            </a:r>
+            <a:endParaRPr lang="ja-JP" altLang="ja-JP" sz="1200" kern="100">
+              <a:solidFill>
+                <a:srgbClr val="000000"/>
+              </a:solidFill>
+              <a:latin typeface="Calibri" panose="020F0502020204030204" pitchFamily="34" charset="0"/>
+              <a:ea typeface="ＭＳ Ｐ明朝" panose="02020600040205080304" pitchFamily="18" charset="-128"/>
+            </a:endParaRPr>
+          </a:p>
+        </p:txBody>
+      </p:sp>
+      <p:sp>
+        <p:nvSpPr>
+          <p:cNvPr id="47" name="テキスト ボックス 46"/>
+          <p:cNvSpPr txBox="1"/>
+          <p:nvPr/>
+        </p:nvSpPr>
+        <p:spPr>
+          <a:xfrm>
+            <a:off x="2040890" y="6962883"/>
+            <a:ext cx="4350966" cy="345351"/>
+          </a:xfrm>
+          <a:prstGeom prst="rect">
+            <a:avLst/>
+          </a:prstGeom>
+          <a:noFill/>
+        </p:spPr>
+        <p:txBody>
+          <a:bodyPr wrap="square" rtlCol="0">
+            <a:spAutoFit/>
+          </a:bodyPr>
+          <a:lstStyle/>
+          <a:p>
+            <a:pPr>
+              <a:lnSpc>
+                <a:spcPct val="137000"/>
+              </a:lnSpc>
+              <a:spcAft>
+                <a:spcPts val="0"/>
+              </a:spcAft>
+            </a:pPr>
+            <a:r>
+              <a:rPr lang="ja-JP" altLang="ja-JP" sz="1200" kern="100" dirty="0">
+                <a:solidFill>
+                  <a:srgbClr val="000000"/>
+                </a:solidFill>
+                <a:latin typeface="Calibri" panose="020F0502020204030204" pitchFamily="34" charset="0"/>
+                <a:ea typeface="ＭＳ Ｐ明朝" panose="02020600040205080304" pitchFamily="18" charset="-128"/>
+              </a:rPr>
+              <a:t>普通自動車第一種運転免許</a:t>
+            </a:r>
+            <a:r>
+              <a:rPr lang="ja-JP" altLang="en-US" sz="1200" kern="100" dirty="0">
+                <a:solidFill>
+                  <a:srgbClr val="000000"/>
+                </a:solidFill>
+                <a:latin typeface="Calibri" panose="020F0502020204030204" pitchFamily="34" charset="0"/>
+                <a:ea typeface="ＭＳ Ｐ明朝" panose="02020600040205080304" pitchFamily="18" charset="-128"/>
+              </a:rPr>
+              <a:t>　</a:t>
+            </a:r>
+            <a:r>
+              <a:rPr lang="ja-JP" altLang="ja-JP" sz="1200" kern="100" dirty="0">
+                <a:solidFill>
+                  <a:srgbClr val="000000"/>
+                </a:solidFill>
+                <a:latin typeface="Calibri" panose="020F0502020204030204" pitchFamily="34" charset="0"/>
+                <a:ea typeface="ＭＳ Ｐ明朝" panose="02020600040205080304" pitchFamily="18" charset="-128"/>
+              </a:rPr>
+              <a:t>取得</a:t>
+            </a:r>
+            <a:endParaRPr lang="ja-JP" altLang="ja-JP" sz="1200" kern="100" dirty="0">
+              <a:solidFill>
+                <a:srgbClr val="000000"/>
+              </a:solidFill>
+              <a:latin typeface="Calibri" panose="020F0502020204030204" pitchFamily="34" charset="0"/>
+              <a:ea typeface="Calibri" panose="020F0502020204030204" pitchFamily="34" charset="0"/>
+            </a:endParaRPr>
+          </a:p>
+        </p:txBody>
+      </p:sp>
+      <p:sp>
+        <p:nvSpPr>
+          <p:cNvPr id="48" name="テキスト ボックス 47"/>
+          <p:cNvSpPr txBox="1"/>
+          <p:nvPr/>
+        </p:nvSpPr>
+        <p:spPr>
+          <a:xfrm>
+            <a:off x="4108840" y="7252764"/>
+            <a:ext cx="664844" cy="345351"/>
+          </a:xfrm>
+          <a:prstGeom prst="rect">
+            <a:avLst/>
+          </a:prstGeom>
+          <a:noFill/>
+        </p:spPr>
+        <p:txBody>
+          <a:bodyPr wrap="square" rtlCol="0">
+            <a:spAutoFit/>
+          </a:bodyPr>
+          <a:lstStyle/>
+          <a:p>
+            <a:pPr algn="ctr">
+              <a:lnSpc>
+                <a:spcPct val="137000"/>
+              </a:lnSpc>
+              <a:spcAft>
+                <a:spcPts val="0"/>
+              </a:spcAft>
+            </a:pPr>
             <a:r>
               <a:rPr lang="ja-JP" altLang="en-US" sz="1200" kern="100">
                 <a:solidFill>
@@ -5197,17 +5474,7 @@
                 <a:latin typeface="Calibri" panose="020F0502020204030204" pitchFamily="34" charset="0"/>
                 <a:ea typeface="ＭＳ Ｐ明朝" panose="02020600040205080304" pitchFamily="18" charset="-128"/>
               </a:rPr>
-              <a:t>　</a:t>
-            </a:r>
-            <a:r>
-              <a:rPr lang="ja-JP" altLang="ja-JP" sz="1200" kern="100">
-                <a:solidFill>
-                  <a:srgbClr val="000000"/>
-                </a:solidFill>
-                <a:latin typeface="Calibri" panose="020F0502020204030204" pitchFamily="34" charset="0"/>
-                <a:ea typeface="ＭＳ Ｐ明朝" panose="02020600040205080304" pitchFamily="18" charset="-128"/>
-              </a:rPr>
-              <a:t>入学</a:t>
+              <a:t>賞罰</a:t>
             </a:r>
             <a:endParaRPr lang="ja-JP" altLang="ja-JP" sz="1200" kern="100">
               <a:solidFill>
@@ -5221,14 +5488,14 @@
       </p:sp>
       <p:sp>
         <p:nvSpPr>
-          <p:cNvPr id="34" name="テキスト ボックス 33"/>
+          <p:cNvPr id="49" name="テキスト ボックス 48"/>
           <p:cNvSpPr txBox="1"/>
           <p:nvPr/>
         </p:nvSpPr>
         <p:spPr>
           <a:xfrm>
-            <a:off x="2038685" y="5078984"/>
-            <a:ext cx="2856493" cy="345351"/>
+            <a:off x="2095806" y="7598295"/>
+            <a:ext cx="664844" cy="357662"/>
           </a:xfrm>
           <a:prstGeom prst="rect">
             <a:avLst/>
@@ -5250,34 +5517,14 @@
               </a:spcAft>
             </a:pPr>
             <a:r>
-              <a:rPr lang="ja-JP" altLang="ja-JP" sz="1200" kern="100">
+              <a:rPr lang="ja-JP" altLang="en-US" sz="1200" kern="100">
                 <a:solidFill>
                   <a:srgbClr val="000000"/>
                 </a:solidFill>
                 <a:latin typeface="Calibri" panose="020F0502020204030204" pitchFamily="34" charset="0"/>
                 <a:ea typeface="ＭＳ Ｐ明朝" panose="02020600040205080304" pitchFamily="18" charset="-128"/>
               </a:rPr>
-              <a:t>福岡県立博多南高等学校</a:t>
-            </a:r>
-            <a:r>
-              <a:rPr lang="ja-JP" altLang="en-US" sz="1200" kern="100">
-                <a:solidFill>
-                  <a:srgbClr val="000000"/>
-                </a:solidFill>
-                <a:latin typeface="Calibri" panose="020F0502020204030204" pitchFamily="34" charset="0"/>
-                <a:ea typeface="ＭＳ Ｐ明朝" panose="02020600040205080304" pitchFamily="18" charset="-128"/>
-              </a:rPr>
-              <a:t>　</a:t>
-            </a:r>
-            <a:r>
-              <a:rPr lang="ja-JP" altLang="ja-JP" sz="1200" kern="100">
-                <a:solidFill>
-                  <a:srgbClr val="000000"/>
-                </a:solidFill>
-                <a:latin typeface="Calibri" panose="020F0502020204030204" pitchFamily="34" charset="0"/>
-                <a:ea typeface="ＭＳ Ｐ明朝" panose="02020600040205080304" pitchFamily="18" charset="-128"/>
-              </a:rPr>
-              <a:t>卒業</a:t>
+              <a:t>なし</a:t>
             </a:r>
             <a:endParaRPr lang="ja-JP" altLang="ja-JP" sz="1200" kern="100">
               <a:solidFill>
@@ -5291,14 +5538,14 @@
       </p:sp>
       <p:sp>
         <p:nvSpPr>
-          <p:cNvPr id="35" name="テキスト ボックス 34"/>
+          <p:cNvPr id="50" name="テキスト ボックス 49"/>
           <p:cNvSpPr txBox="1"/>
           <p:nvPr/>
         </p:nvSpPr>
         <p:spPr>
           <a:xfrm>
-            <a:off x="2023956" y="5407104"/>
-            <a:ext cx="5300972" cy="272062"/>
+            <a:off x="6544331" y="7896393"/>
+            <a:ext cx="664844" cy="357662"/>
           </a:xfrm>
           <a:prstGeom prst="rect">
             <a:avLst/>
@@ -5320,118 +5567,14 @@
               </a:spcAft>
             </a:pPr>
             <a:r>
-              <a:rPr lang="ja-JP" altLang="en-US" sz="1000">
-                <a:latin typeface="ＭＳ 明朝" panose="02020609040205080304" pitchFamily="17" charset="-128"/>
-                <a:ea typeface="ＭＳ 明朝" panose="02020609040205080304" pitchFamily="17" charset="-128"/>
-              </a:rPr>
-              <a:t>ＡＳＯポップカルチャー専門学校 マンガ・イラスト・ＣＧ科イラストコース入学</a:t>
-            </a:r>
-            <a:endParaRPr lang="ja-JP" altLang="ja-JP" sz="1000" kern="100">
-              <a:solidFill>
-                <a:srgbClr val="000000"/>
-              </a:solidFill>
-              <a:latin typeface="ＭＳ 明朝" panose="02020609040205080304" pitchFamily="17" charset="-128"/>
-              <a:ea typeface="ＭＳ 明朝" panose="02020609040205080304" pitchFamily="17" charset="-128"/>
-            </a:endParaRPr>
-          </a:p>
-        </p:txBody>
-      </p:sp>
-      <p:sp>
-        <p:nvSpPr>
-          <p:cNvPr id="36" name="テキスト ボックス 35"/>
-          <p:cNvSpPr txBox="1"/>
-          <p:nvPr/>
-        </p:nvSpPr>
-        <p:spPr>
-          <a:xfrm>
-            <a:off x="2023956" y="5728878"/>
-            <a:ext cx="5300971" cy="303160"/>
-          </a:xfrm>
-          <a:prstGeom prst="rect">
-            <a:avLst/>
-          </a:prstGeom>
-          <a:noFill/>
-        </p:spPr>
-        <p:txBody>
-          <a:bodyPr wrap="square" rtlCol="0">
-            <a:spAutoFit/>
-          </a:bodyPr>
-          <a:lstStyle/>
-          <a:p>
-            <a:pPr>
-              <a:lnSpc>
-                <a:spcPct val="137000"/>
-              </a:lnSpc>
-              <a:spcAft>
-                <a:spcPts val="0"/>
-              </a:spcAft>
-            </a:pPr>
-            <a:r>
-              <a:rPr lang="ja-JP" altLang="en-US" sz="1000">
-                <a:latin typeface="ＭＳ 明朝" panose="02020609040205080304" pitchFamily="17" charset="-128"/>
-                <a:ea typeface="ＭＳ 明朝" panose="02020609040205080304" pitchFamily="17" charset="-128"/>
-              </a:rPr>
-              <a:t>ＡＳＯポップカルチャー専門学校 マンガ・イラスト・ＣＧ科イラストコース</a:t>
-            </a:r>
-            <a:r>
-              <a:rPr lang="ja-JP" altLang="en-US" sz="1000" kern="100">
+              <a:rPr lang="ja-JP" altLang="en-US" sz="1200" kern="100">
                 <a:solidFill>
                   <a:srgbClr val="000000"/>
                 </a:solidFill>
                 <a:latin typeface="Calibri" panose="020F0502020204030204" pitchFamily="34" charset="0"/>
                 <a:ea typeface="ＭＳ Ｐ明朝" panose="02020600040205080304" pitchFamily="18" charset="-128"/>
               </a:rPr>
-              <a:t>卒業見込み</a:t>
-            </a:r>
-            <a:endParaRPr lang="ja-JP" altLang="ja-JP" sz="1000" kern="100">
-              <a:solidFill>
-                <a:srgbClr val="000000"/>
-              </a:solidFill>
-              <a:latin typeface="Calibri" panose="020F0502020204030204" pitchFamily="34" charset="0"/>
-              <a:ea typeface="Calibri" panose="020F0502020204030204" pitchFamily="34" charset="0"/>
-            </a:endParaRPr>
-          </a:p>
-        </p:txBody>
-      </p:sp>
-      <p:sp>
-        <p:nvSpPr>
-          <p:cNvPr id="38" name="テキスト ボックス 37"/>
-          <p:cNvSpPr txBox="1"/>
-          <p:nvPr/>
-        </p:nvSpPr>
-        <p:spPr>
-          <a:xfrm>
-            <a:off x="4063174" y="4152973"/>
-            <a:ext cx="710510" cy="345351"/>
-          </a:xfrm>
-          <a:prstGeom prst="rect">
-            <a:avLst/>
-          </a:prstGeom>
-          <a:noFill/>
-        </p:spPr>
-        <p:txBody>
-          <a:bodyPr wrap="square" rtlCol="0">
-            <a:spAutoFit/>
-          </a:bodyPr>
-          <a:lstStyle/>
-          <a:p>
-            <a:pPr algn="ctr">
-              <a:lnSpc>
-                <a:spcPct val="137000"/>
-              </a:lnSpc>
-              <a:spcAft>
-                <a:spcPts val="0"/>
-              </a:spcAft>
-            </a:pPr>
-            <a:r>
-              <a:rPr lang="ja-JP" altLang="en-US" sz="1200" kern="100">
-                <a:solidFill>
-                  <a:srgbClr val="000000"/>
-                </a:solidFill>
-                <a:latin typeface="Calibri" panose="020F0502020204030204" pitchFamily="34" charset="0"/>
-                <a:ea typeface="ＭＳ Ｐ明朝" panose="02020600040205080304" pitchFamily="18" charset="-128"/>
-              </a:rPr>
-              <a:t>学歴</a:t>
+              <a:t>以上</a:t>
             </a:r>
             <a:endParaRPr lang="ja-JP" altLang="ja-JP" sz="1200" kern="100">
               <a:solidFill>
@@ -5445,326 +5588,6 @@
       </p:sp>
       <p:sp>
         <p:nvSpPr>
-          <p:cNvPr id="39" name="テキスト ボックス 38"/>
-          <p:cNvSpPr txBox="1"/>
-          <p:nvPr/>
-        </p:nvSpPr>
-        <p:spPr>
-          <a:xfrm>
-            <a:off x="4108840" y="6010048"/>
-            <a:ext cx="710510" cy="345351"/>
-          </a:xfrm>
-          <a:prstGeom prst="rect">
-            <a:avLst/>
-          </a:prstGeom>
-          <a:noFill/>
-        </p:spPr>
-        <p:txBody>
-          <a:bodyPr wrap="square" rtlCol="0">
-            <a:spAutoFit/>
-          </a:bodyPr>
-          <a:lstStyle/>
-          <a:p>
-            <a:pPr algn="ctr">
-              <a:lnSpc>
-                <a:spcPct val="137000"/>
-              </a:lnSpc>
-              <a:spcAft>
-                <a:spcPts val="0"/>
-              </a:spcAft>
-            </a:pPr>
-            <a:r>
-              <a:rPr lang="ja-JP" altLang="en-US" sz="1200" kern="100">
-                <a:solidFill>
-                  <a:srgbClr val="000000"/>
-                </a:solidFill>
-                <a:latin typeface="ＭＳ Ｐ明朝" panose="02020600040205080304" pitchFamily="18" charset="-128"/>
-                <a:ea typeface="ＭＳ Ｐ明朝" panose="02020600040205080304" pitchFamily="18" charset="-128"/>
-              </a:rPr>
-              <a:t>資格</a:t>
-            </a:r>
-            <a:endParaRPr lang="ja-JP" altLang="ja-JP" sz="1200" kern="100">
-              <a:solidFill>
-                <a:srgbClr val="000000"/>
-              </a:solidFill>
-              <a:latin typeface="ＭＳ Ｐ明朝" panose="02020600040205080304" pitchFamily="18" charset="-128"/>
-              <a:ea typeface="ＭＳ Ｐ明朝" panose="02020600040205080304" pitchFamily="18" charset="-128"/>
-            </a:endParaRPr>
-          </a:p>
-        </p:txBody>
-      </p:sp>
-      <p:sp>
-        <p:nvSpPr>
-          <p:cNvPr id="40" name="テキスト ボックス 39"/>
-          <p:cNvSpPr txBox="1"/>
-          <p:nvPr/>
-        </p:nvSpPr>
-        <p:spPr>
-          <a:xfrm>
-            <a:off x="710845" y="4449636"/>
-            <a:ext cx="510681" cy="345351"/>
-          </a:xfrm>
-          <a:prstGeom prst="rect">
-            <a:avLst/>
-          </a:prstGeom>
-          <a:noFill/>
-        </p:spPr>
-        <p:txBody>
-          <a:bodyPr wrap="square" rtlCol="0">
-            <a:spAutoFit/>
-          </a:bodyPr>
-          <a:lstStyle/>
-          <a:p>
-            <a:pPr algn="ctr">
-              <a:lnSpc>
-                <a:spcPct val="137000"/>
-              </a:lnSpc>
-              <a:spcAft>
-                <a:spcPts val="0"/>
-              </a:spcAft>
-            </a:pPr>
-            <a:r>
-              <a:rPr lang="ja-JP" altLang="en-US" sz="1200" kern="100">
-                <a:solidFill>
-                  <a:srgbClr val="000000"/>
-                </a:solidFill>
-                <a:latin typeface="Calibri" panose="020F0502020204030204" pitchFamily="34" charset="0"/>
-                <a:ea typeface="ＭＳ Ｐ明朝" panose="02020600040205080304" pitchFamily="18" charset="-128"/>
-              </a:rPr>
-              <a:t>平成</a:t>
-            </a:r>
-            <a:endParaRPr lang="ja-JP" altLang="ja-JP" sz="1200" kern="100">
-              <a:solidFill>
-                <a:srgbClr val="000000"/>
-              </a:solidFill>
-              <a:latin typeface="Calibri" panose="020F0502020204030204" pitchFamily="34" charset="0"/>
-              <a:ea typeface="ＭＳ Ｐ明朝" panose="02020600040205080304" pitchFamily="18" charset="-128"/>
-            </a:endParaRPr>
-          </a:p>
-        </p:txBody>
-      </p:sp>
-      <p:sp>
-        <p:nvSpPr>
-          <p:cNvPr id="47" name="テキスト ボックス 46"/>
-          <p:cNvSpPr txBox="1"/>
-          <p:nvPr/>
-        </p:nvSpPr>
-        <p:spPr>
-          <a:xfrm>
-            <a:off x="2040890" y="6962883"/>
-            <a:ext cx="4350966" cy="345351"/>
-          </a:xfrm>
-          <a:prstGeom prst="rect">
-            <a:avLst/>
-          </a:prstGeom>
-          <a:noFill/>
-        </p:spPr>
-        <p:txBody>
-          <a:bodyPr wrap="square" rtlCol="0">
-            <a:spAutoFit/>
-          </a:bodyPr>
-          <a:lstStyle/>
-          <a:p>
-            <a:pPr>
-              <a:lnSpc>
-                <a:spcPct val="137000"/>
-              </a:lnSpc>
-              <a:spcAft>
-                <a:spcPts val="0"/>
-              </a:spcAft>
-            </a:pPr>
-            <a:r>
-              <a:rPr lang="ja-JP" altLang="ja-JP" sz="1200" kern="100">
-                <a:solidFill>
-                  <a:srgbClr val="000000"/>
-                </a:solidFill>
-                <a:latin typeface="Calibri" panose="020F0502020204030204" pitchFamily="34" charset="0"/>
-                <a:ea typeface="ＭＳ Ｐ明朝" panose="02020600040205080304" pitchFamily="18" charset="-128"/>
-              </a:rPr>
-              <a:t>普通自動車第一種運転免許</a:t>
-            </a:r>
-            <a:r>
-              <a:rPr lang="ja-JP" altLang="en-US" sz="1200" kern="100">
-                <a:solidFill>
-                  <a:srgbClr val="000000"/>
-                </a:solidFill>
-                <a:latin typeface="Calibri" panose="020F0502020204030204" pitchFamily="34" charset="0"/>
-                <a:ea typeface="ＭＳ Ｐ明朝" panose="02020600040205080304" pitchFamily="18" charset="-128"/>
-              </a:rPr>
-              <a:t>　</a:t>
-            </a:r>
-            <a:r>
-              <a:rPr lang="ja-JP" altLang="ja-JP" sz="1200" kern="100">
-                <a:solidFill>
-                  <a:srgbClr val="000000"/>
-                </a:solidFill>
-                <a:latin typeface="Calibri" panose="020F0502020204030204" pitchFamily="34" charset="0"/>
-                <a:ea typeface="ＭＳ Ｐ明朝" panose="02020600040205080304" pitchFamily="18" charset="-128"/>
-              </a:rPr>
-              <a:t>取得</a:t>
-            </a:r>
-            <a:endParaRPr lang="ja-JP" altLang="ja-JP" sz="1200" kern="100">
-              <a:solidFill>
-                <a:srgbClr val="000000"/>
-              </a:solidFill>
-              <a:latin typeface="Calibri" panose="020F0502020204030204" pitchFamily="34" charset="0"/>
-              <a:ea typeface="Calibri" panose="020F0502020204030204" pitchFamily="34" charset="0"/>
-            </a:endParaRPr>
-          </a:p>
-        </p:txBody>
-      </p:sp>
-      <p:sp>
-        <p:nvSpPr>
-          <p:cNvPr id="48" name="テキスト ボックス 47"/>
-          <p:cNvSpPr txBox="1"/>
-          <p:nvPr/>
-        </p:nvSpPr>
-        <p:spPr>
-          <a:xfrm>
-            <a:off x="4108840" y="7252764"/>
-            <a:ext cx="664844" cy="345351"/>
-          </a:xfrm>
-          <a:prstGeom prst="rect">
-            <a:avLst/>
-          </a:prstGeom>
-          <a:noFill/>
-        </p:spPr>
-        <p:txBody>
-          <a:bodyPr wrap="square" rtlCol="0">
-            <a:spAutoFit/>
-          </a:bodyPr>
-          <a:lstStyle/>
-          <a:p>
-            <a:pPr algn="ctr">
-              <a:lnSpc>
-                <a:spcPct val="137000"/>
-              </a:lnSpc>
-              <a:spcAft>
-                <a:spcPts val="0"/>
-              </a:spcAft>
-            </a:pPr>
-            <a:r>
-              <a:rPr lang="ja-JP" altLang="en-US" sz="1200" kern="100">
-                <a:solidFill>
-                  <a:srgbClr val="000000"/>
-                </a:solidFill>
-                <a:latin typeface="Calibri" panose="020F0502020204030204" pitchFamily="34" charset="0"/>
-                <a:ea typeface="ＭＳ Ｐ明朝" panose="02020600040205080304" pitchFamily="18" charset="-128"/>
-              </a:rPr>
-              <a:t>賞罰</a:t>
-            </a:r>
-            <a:endParaRPr lang="ja-JP" altLang="ja-JP" sz="1200" kern="100">
-              <a:solidFill>
-                <a:srgbClr val="000000"/>
-              </a:solidFill>
-              <a:latin typeface="Calibri" panose="020F0502020204030204" pitchFamily="34" charset="0"/>
-              <a:ea typeface="Calibri" panose="020F0502020204030204" pitchFamily="34" charset="0"/>
-            </a:endParaRPr>
-          </a:p>
-        </p:txBody>
-      </p:sp>
-      <p:sp>
-        <p:nvSpPr>
-          <p:cNvPr id="49" name="テキスト ボックス 48"/>
-          <p:cNvSpPr txBox="1"/>
-          <p:nvPr/>
-        </p:nvSpPr>
-        <p:spPr>
-          <a:xfrm>
-            <a:off x="2095806" y="7598295"/>
-            <a:ext cx="664844" cy="357662"/>
-          </a:xfrm>
-          <a:prstGeom prst="rect">
-            <a:avLst/>
-          </a:prstGeom>
-          <a:noFill/>
-        </p:spPr>
-        <p:txBody>
-          <a:bodyPr wrap="square" rtlCol="0">
-            <a:spAutoFit/>
-          </a:bodyPr>
-          <a:lstStyle/>
-          <a:p>
-            <a:pPr>
-              <a:lnSpc>
-                <a:spcPct val="137000"/>
-              </a:lnSpc>
-              <a:spcAft>
-                <a:spcPts val="0"/>
-              </a:spcAft>
-            </a:pPr>
-            <a:r>
-              <a:rPr lang="ja-JP" altLang="en-US" sz="1200" kern="100">
-                <a:solidFill>
-                  <a:srgbClr val="000000"/>
-                </a:solidFill>
-                <a:latin typeface="Calibri" panose="020F0502020204030204" pitchFamily="34" charset="0"/>
-                <a:ea typeface="ＭＳ Ｐ明朝" panose="02020600040205080304" pitchFamily="18" charset="-128"/>
-              </a:rPr>
-              <a:t>なし</a:t>
-            </a:r>
-            <a:endParaRPr lang="ja-JP" altLang="ja-JP" sz="1200" kern="100">
-              <a:solidFill>
-                <a:srgbClr val="000000"/>
-              </a:solidFill>
-              <a:latin typeface="Calibri" panose="020F0502020204030204" pitchFamily="34" charset="0"/>
-              <a:ea typeface="Calibri" panose="020F0502020204030204" pitchFamily="34" charset="0"/>
-            </a:endParaRPr>
-          </a:p>
-        </p:txBody>
-      </p:sp>
-      <p:sp>
-        <p:nvSpPr>
-          <p:cNvPr id="50" name="テキスト ボックス 49"/>
-          <p:cNvSpPr txBox="1"/>
-          <p:nvPr/>
-        </p:nvSpPr>
-        <p:spPr>
-          <a:xfrm>
-            <a:off x="6544331" y="7896393"/>
-            <a:ext cx="664844" cy="357662"/>
-          </a:xfrm>
-          <a:prstGeom prst="rect">
-            <a:avLst/>
-          </a:prstGeom>
-          <a:noFill/>
-        </p:spPr>
-        <p:txBody>
-          <a:bodyPr wrap="square" rtlCol="0">
-            <a:spAutoFit/>
-          </a:bodyPr>
-          <a:lstStyle/>
-          <a:p>
-            <a:pPr>
-              <a:lnSpc>
-                <a:spcPct val="137000"/>
-              </a:lnSpc>
-              <a:spcAft>
-                <a:spcPts val="0"/>
-              </a:spcAft>
-            </a:pPr>
-            <a:r>
-              <a:rPr lang="ja-JP" altLang="en-US" sz="1200" kern="100">
-                <a:solidFill>
-                  <a:srgbClr val="000000"/>
-                </a:solidFill>
-                <a:latin typeface="Calibri" panose="020F0502020204030204" pitchFamily="34" charset="0"/>
-                <a:ea typeface="ＭＳ Ｐ明朝" panose="02020600040205080304" pitchFamily="18" charset="-128"/>
-              </a:rPr>
-              <a:t>以上</a:t>
-            </a:r>
-            <a:endParaRPr lang="ja-JP" altLang="ja-JP" sz="1200" kern="100">
-              <a:solidFill>
-                <a:srgbClr val="000000"/>
-              </a:solidFill>
-              <a:latin typeface="Calibri" panose="020F0502020204030204" pitchFamily="34" charset="0"/>
-              <a:ea typeface="Calibri" panose="020F0502020204030204" pitchFamily="34" charset="0"/>
-            </a:endParaRPr>
-          </a:p>
-        </p:txBody>
-      </p:sp>
-      <p:sp>
-        <p:nvSpPr>
           <p:cNvPr id="55" name="サブタイトル 2"/>
           <p:cNvSpPr txBox="1">
             <a:spLocks/>
@@ -6542,7 +6365,7 @@
                 <a:latin typeface="ＭＳ Ｐ明朝" panose="02020600040205080304" pitchFamily="18" charset="-128"/>
                 <a:ea typeface="ＭＳ Ｐ明朝" panose="02020600040205080304" pitchFamily="18" charset="-128"/>
               </a:rPr>
-              <a:t>私は将来ゲーム会社に就職したいと思い学生時代、様々な技術を学ぶことに挑戦しました。そんな中、失敗を恐れず、挑戦し続け、技術の最先端に挑み続けるという貴社の企業理念に感銘を受けました。そんな挑戦を恐れず挑戦し続ける貴社のもとで働きたいと思い志望させていただたきました。これからも自身の能力向上に挑戦しながらも、学生時代に培った経験、技術を活かして世界中の人を楽しませるゲームを作りに携わりたいと考えています。</a:t>
+              <a:t>私は将来ゲーム会社に就職したいと思い学生時代、様々な技術を学ぶことに挑戦しました。そんな中、失敗を恐れず、挑戦し続け、技術の最先端に挑み続けるという貴社の企業理念に感銘を受けました。そんな失敗を恐れず挑戦し続ける貴社のもとで働きたいと思い志望させていただたきました。これからも自身の能力向上に挑戦しながらも、学生時代に培った経験、技術を活かして世界中の人を楽しませるゲームを作りに携わりたいと考えています。</a:t>
             </a:r>
             <a:endParaRPr kumimoji="1" lang="en-US" altLang="ja-JP" sz="1200" dirty="0">
               <a:latin typeface="ＭＳ Ｐ明朝" panose="02020600040205080304" pitchFamily="18" charset="-128"/>
@@ -6690,7 +6513,7 @@
               </a:spcAft>
             </a:pPr>
             <a:r>
-              <a:rPr lang="en-US" sz="1200" kern="100" spc="300">
+              <a:rPr lang="en-US" sz="1200" kern="100" spc="300" dirty="0">
                 <a:solidFill>
                   <a:srgbClr val="000000"/>
                 </a:solidFill>
@@ -6698,16 +6521,8 @@
                 <a:latin typeface="ＭＳ Ｐ明朝" panose="02020600040205080304" pitchFamily="18" charset="-128"/>
                 <a:ea typeface="Calibri" panose="020F0502020204030204" pitchFamily="34" charset="0"/>
               </a:rPr>
-              <a:t>0012</a:t>
-            </a:r>
-            <a:endParaRPr lang="ja-JP" sz="1200" kern="100">
-              <a:solidFill>
-                <a:srgbClr val="000000"/>
-              </a:solidFill>
-              <a:effectLst/>
-              <a:latin typeface="Calibri" panose="020F0502020204030204" pitchFamily="34" charset="0"/>
-              <a:ea typeface="Calibri" panose="020F0502020204030204" pitchFamily="34" charset="0"/>
-            </a:endParaRPr>
+              <a:t>0202</a:t>
+            </a:r>
           </a:p>
         </p:txBody>
       </p:sp>
@@ -6720,7 +6535,7 @@
         <p:spPr>
           <a:xfrm>
             <a:off x="2052018" y="6331626"/>
-            <a:ext cx="5104973" cy="345351"/>
+            <a:ext cx="5104973" cy="319768"/>
           </a:xfrm>
           <a:prstGeom prst="rect">
             <a:avLst/>
@@ -6742,21 +6557,14 @@
               </a:spcAft>
             </a:pPr>
             <a:r>
-              <a:rPr lang="zh-TW" altLang="en-US" sz="1200">
+              <a:rPr lang="ja-JP" altLang="en-US" sz="1200" dirty="0">
                 <a:latin typeface="ＭＳ 明朝" panose="02020609040205080304" pitchFamily="17" charset="-128"/>
                 <a:ea typeface="ＭＳ 明朝" panose="02020609040205080304" pitchFamily="17" charset="-128"/>
               </a:rPr>
-              <a:t>文部科学省後援色彩検定協会主催色彩検定試験３級</a:t>
-            </a:r>
-            <a:r>
-              <a:rPr lang="ja-JP" altLang="en-US" sz="1200">
-                <a:latin typeface="ＭＳ 明朝" panose="02020609040205080304" pitchFamily="17" charset="-128"/>
-                <a:ea typeface="ＭＳ 明朝" panose="02020609040205080304" pitchFamily="17" charset="-128"/>
-              </a:rPr>
-              <a:t>　</a:t>
-            </a:r>
-            <a:r>
-              <a:rPr lang="ja-JP" altLang="en-US" sz="1200" kern="100">
+              <a:t>基本情報技術者　</a:t>
+            </a:r>
+            <a:r>
+              <a:rPr lang="ja-JP" altLang="en-US" sz="1200" kern="100" dirty="0">
                 <a:solidFill>
                   <a:srgbClr val="000000"/>
                 </a:solidFill>
@@ -6765,7 +6573,7 @@
               </a:rPr>
               <a:t>合格</a:t>
             </a:r>
-            <a:endParaRPr lang="ja-JP" altLang="ja-JP" sz="1200" kern="100">
+            <a:endParaRPr lang="ja-JP" altLang="ja-JP" sz="1200" kern="100" dirty="0">
               <a:solidFill>
                 <a:srgbClr val="000000"/>
               </a:solidFill>
@@ -7505,6 +7313,53 @@
               </a:lnSpc>
             </a:pPr>
             <a:r>
+              <a:rPr lang="en-US" altLang="ja-JP" sz="1200" kern="100" dirty="0">
+                <a:solidFill>
+                  <a:srgbClr val="000000"/>
+                </a:solidFill>
+                <a:latin typeface="ＭＳ Ｐ明朝" panose="02020600040205080304" pitchFamily="18" charset="-128"/>
+                <a:ea typeface="ＭＳ Ｐ明朝" panose="02020600040205080304" pitchFamily="18" charset="-128"/>
+              </a:rPr>
+              <a:t>3</a:t>
+            </a:r>
+            <a:endParaRPr lang="ja-JP" altLang="en-US" sz="1200" kern="100" dirty="0">
+              <a:solidFill>
+                <a:srgbClr val="000000"/>
+              </a:solidFill>
+              <a:latin typeface="ＭＳ Ｐ明朝" panose="02020600040205080304" pitchFamily="18" charset="-128"/>
+              <a:ea typeface="ＭＳ Ｐ明朝" panose="02020600040205080304" pitchFamily="18" charset="-128"/>
+            </a:endParaRPr>
+          </a:p>
+        </p:txBody>
+      </p:sp>
+      <p:sp>
+        <p:nvSpPr>
+          <p:cNvPr id="73" name="正方形/長方形 72"/>
+          <p:cNvSpPr/>
+          <p:nvPr/>
+        </p:nvSpPr>
+        <p:spPr>
+          <a:xfrm>
+            <a:off x="1646410" y="5392915"/>
+            <a:ext cx="353825" cy="308098"/>
+          </a:xfrm>
+          <a:prstGeom prst="rect">
+            <a:avLst/>
+          </a:prstGeom>
+          <a:noFill/>
+        </p:spPr>
+        <p:txBody>
+          <a:bodyPr wrap="square" rtlCol="0">
+            <a:spAutoFit/>
+          </a:bodyPr>
+          <a:lstStyle/>
+          <a:p>
+            <a:pPr algn="ctr">
+              <a:lnSpc>
+                <a:spcPct val="137000"/>
+              </a:lnSpc>
+            </a:pPr>
+            <a:r>
               <a:rPr lang="en-US" altLang="ja-JP" sz="1200" kern="100">
                 <a:solidFill>
                   <a:srgbClr val="000000"/>
@@ -7512,7 +7367,7 @@
                 <a:latin typeface="ＭＳ Ｐ明朝" panose="02020600040205080304" pitchFamily="18" charset="-128"/>
                 <a:ea typeface="ＭＳ Ｐ明朝" panose="02020600040205080304" pitchFamily="18" charset="-128"/>
               </a:rPr>
-              <a:t>2</a:t>
+              <a:t>4</a:t>
             </a:r>
             <a:endParaRPr lang="ja-JP" altLang="en-US" sz="1200" kern="100">
               <a:solidFill>
@@ -7526,14 +7381,14 @@
       </p:sp>
       <p:sp>
         <p:nvSpPr>
-          <p:cNvPr id="73" name="正方形/長方形 72"/>
-          <p:cNvSpPr/>
+          <p:cNvPr id="78" name="テキスト ボックス 77"/>
+          <p:cNvSpPr txBox="1"/>
           <p:nvPr/>
         </p:nvSpPr>
         <p:spPr>
           <a:xfrm>
-            <a:off x="1646410" y="5392915"/>
-            <a:ext cx="353825" cy="308098"/>
+            <a:off x="705190" y="5708534"/>
+            <a:ext cx="510680" cy="319768"/>
           </a:xfrm>
           <a:prstGeom prst="rect">
             <a:avLst/>
@@ -7550,8 +7405,105 @@
               <a:lnSpc>
                 <a:spcPct val="137000"/>
               </a:lnSpc>
+              <a:spcAft>
+                <a:spcPts val="0"/>
+              </a:spcAft>
             </a:pPr>
             <a:r>
+              <a:rPr lang="ja-JP" altLang="en-US" sz="1200" kern="100">
+                <a:solidFill>
+                  <a:srgbClr val="000000"/>
+                </a:solidFill>
+                <a:latin typeface="Calibri" panose="020F0502020204030204" pitchFamily="34" charset="0"/>
+                <a:ea typeface="ＭＳ Ｐ明朝" panose="02020600040205080304" pitchFamily="18" charset="-128"/>
+              </a:rPr>
+              <a:t>令和</a:t>
+            </a:r>
+            <a:endParaRPr lang="ja-JP" altLang="ja-JP" sz="1200" kern="100">
+              <a:solidFill>
+                <a:srgbClr val="000000"/>
+              </a:solidFill>
+              <a:latin typeface="Calibri" panose="020F0502020204030204" pitchFamily="34" charset="0"/>
+              <a:ea typeface="ＭＳ Ｐ明朝" panose="02020600040205080304" pitchFamily="18" charset="-128"/>
+            </a:endParaRPr>
+          </a:p>
+        </p:txBody>
+      </p:sp>
+      <p:sp>
+        <p:nvSpPr>
+          <p:cNvPr id="79" name="正方形/長方形 78"/>
+          <p:cNvSpPr/>
+          <p:nvPr/>
+        </p:nvSpPr>
+        <p:spPr>
+          <a:xfrm>
+            <a:off x="1215333" y="5708534"/>
+            <a:ext cx="403543" cy="308098"/>
+          </a:xfrm>
+          <a:prstGeom prst="rect">
+            <a:avLst/>
+          </a:prstGeom>
+          <a:noFill/>
+        </p:spPr>
+        <p:txBody>
+          <a:bodyPr wrap="square" rtlCol="0">
+            <a:spAutoFit/>
+          </a:bodyPr>
+          <a:lstStyle/>
+          <a:p>
+            <a:pPr algn="ctr">
+              <a:lnSpc>
+                <a:spcPct val="137000"/>
+              </a:lnSpc>
+            </a:pPr>
+            <a:r>
+              <a:rPr lang="en-US" altLang="ja-JP" sz="1200" kern="100" dirty="0">
+                <a:solidFill>
+                  <a:srgbClr val="000000"/>
+                </a:solidFill>
+                <a:latin typeface="ＭＳ Ｐ明朝" panose="02020600040205080304" pitchFamily="18" charset="-128"/>
+                <a:ea typeface="ＭＳ Ｐ明朝" panose="02020600040205080304" pitchFamily="18" charset="-128"/>
+              </a:rPr>
+              <a:t>7</a:t>
+            </a:r>
+            <a:endParaRPr lang="ja-JP" altLang="en-US" sz="1200" kern="100" dirty="0">
+              <a:solidFill>
+                <a:srgbClr val="000000"/>
+              </a:solidFill>
+              <a:latin typeface="ＭＳ Ｐ明朝" panose="02020600040205080304" pitchFamily="18" charset="-128"/>
+              <a:ea typeface="ＭＳ Ｐ明朝" panose="02020600040205080304" pitchFamily="18" charset="-128"/>
+            </a:endParaRPr>
+          </a:p>
+        </p:txBody>
+      </p:sp>
+      <p:sp>
+        <p:nvSpPr>
+          <p:cNvPr id="80" name="正方形/長方形 79"/>
+          <p:cNvSpPr/>
+          <p:nvPr/>
+        </p:nvSpPr>
+        <p:spPr>
+          <a:xfrm>
+            <a:off x="1658866" y="5708534"/>
+            <a:ext cx="353825" cy="308098"/>
+          </a:xfrm>
+          <a:prstGeom prst="rect">
+            <a:avLst/>
+          </a:prstGeom>
+          <a:noFill/>
+        </p:spPr>
+        <p:txBody>
+          <a:bodyPr wrap="square" rtlCol="0">
+            <a:spAutoFit/>
+          </a:bodyPr>
+          <a:lstStyle/>
+          <a:p>
+            <a:pPr algn="ctr">
+              <a:lnSpc>
+                <a:spcPct val="137000"/>
+              </a:lnSpc>
+            </a:pPr>
+            <a:r>
               <a:rPr lang="en-US" altLang="ja-JP" sz="1200" kern="100">
                 <a:solidFill>
                   <a:srgbClr val="000000"/>
@@ -7559,7 +7511,7 @@
                 <a:latin typeface="ＭＳ Ｐ明朝" panose="02020600040205080304" pitchFamily="18" charset="-128"/>
                 <a:ea typeface="ＭＳ Ｐ明朝" panose="02020600040205080304" pitchFamily="18" charset="-128"/>
               </a:rPr>
-              <a:t>4</a:t>
+              <a:t>3</a:t>
             </a:r>
             <a:endParaRPr lang="ja-JP" altLang="en-US" sz="1200" kern="100">
               <a:solidFill>
@@ -7573,13 +7525,13 @@
       </p:sp>
       <p:sp>
         <p:nvSpPr>
-          <p:cNvPr id="78" name="テキスト ボックス 77"/>
+          <p:cNvPr id="81" name="テキスト ボックス 80"/>
           <p:cNvSpPr txBox="1"/>
           <p:nvPr/>
         </p:nvSpPr>
         <p:spPr>
           <a:xfrm>
-            <a:off x="705190" y="5708534"/>
+            <a:off x="725408" y="6330360"/>
             <a:ext cx="510680" cy="319768"/>
           </a:xfrm>
           <a:prstGeom prst="rect">
@@ -7623,14 +7575,14 @@
       </p:sp>
       <p:sp>
         <p:nvSpPr>
-          <p:cNvPr id="79" name="正方形/長方形 78"/>
+          <p:cNvPr id="82" name="正方形/長方形 81"/>
           <p:cNvSpPr/>
           <p:nvPr/>
         </p:nvSpPr>
         <p:spPr>
           <a:xfrm>
-            <a:off x="1215333" y="5708534"/>
-            <a:ext cx="403543" cy="308098"/>
+            <a:off x="1235551" y="6330360"/>
+            <a:ext cx="403543" cy="561116"/>
           </a:xfrm>
           <a:prstGeom prst="rect">
             <a:avLst/>
@@ -7657,6 +7609,60 @@
                 <a:ea typeface="ＭＳ Ｐ明朝" panose="02020600040205080304" pitchFamily="18" charset="-128"/>
               </a:rPr>
               <a:t>4</a:t>
+            </a:r>
+          </a:p>
+          <a:p>
+            <a:pPr algn="ctr">
+              <a:lnSpc>
+                <a:spcPct val="137000"/>
+              </a:lnSpc>
+            </a:pPr>
+            <a:endParaRPr lang="ja-JP" altLang="en-US" sz="1200" kern="100" dirty="0">
+              <a:solidFill>
+                <a:srgbClr val="000000"/>
+              </a:solidFill>
+              <a:latin typeface="ＭＳ Ｐ明朝" panose="02020600040205080304" pitchFamily="18" charset="-128"/>
+              <a:ea typeface="ＭＳ Ｐ明朝" panose="02020600040205080304" pitchFamily="18" charset="-128"/>
+            </a:endParaRPr>
+          </a:p>
+        </p:txBody>
+      </p:sp>
+      <p:sp>
+        <p:nvSpPr>
+          <p:cNvPr id="83" name="正方形/長方形 82"/>
+          <p:cNvSpPr/>
+          <p:nvPr/>
+        </p:nvSpPr>
+        <p:spPr>
+          <a:xfrm>
+            <a:off x="1679084" y="6330360"/>
+            <a:ext cx="353825" cy="308098"/>
+          </a:xfrm>
+          <a:prstGeom prst="rect">
+            <a:avLst/>
+          </a:prstGeom>
+          <a:noFill/>
+        </p:spPr>
+        <p:txBody>
+          <a:bodyPr wrap="square" rtlCol="0">
+            <a:spAutoFit/>
+          </a:bodyPr>
+          <a:lstStyle/>
+          <a:p>
+            <a:pPr algn="ctr">
+              <a:lnSpc>
+                <a:spcPct val="137000"/>
+              </a:lnSpc>
+            </a:pPr>
+            <a:r>
+              <a:rPr lang="en-US" altLang="ja-JP" sz="1200" kern="100">
+                <a:solidFill>
+                  <a:srgbClr val="000000"/>
+                </a:solidFill>
+                <a:latin typeface="ＭＳ Ｐ明朝" panose="02020600040205080304" pitchFamily="18" charset="-128"/>
+                <a:ea typeface="ＭＳ Ｐ明朝" panose="02020600040205080304" pitchFamily="18" charset="-128"/>
+              </a:rPr>
+              <a:t>12</a:t>
             </a:r>
             <a:endParaRPr lang="ja-JP" altLang="en-US" sz="1200" kern="100">
               <a:solidFill>
@@ -7670,13 +7676,110 @@
       </p:sp>
       <p:sp>
         <p:nvSpPr>
-          <p:cNvPr id="80" name="正方形/長方形 79"/>
+          <p:cNvPr id="84" name="テキスト ボックス 83"/>
+          <p:cNvSpPr txBox="1"/>
+          <p:nvPr/>
+        </p:nvSpPr>
+        <p:spPr>
+          <a:xfrm>
+            <a:off x="723362" y="6968713"/>
+            <a:ext cx="510680" cy="319768"/>
+          </a:xfrm>
+          <a:prstGeom prst="rect">
+            <a:avLst/>
+          </a:prstGeom>
+          <a:noFill/>
+        </p:spPr>
+        <p:txBody>
+          <a:bodyPr wrap="square" rtlCol="0">
+            <a:spAutoFit/>
+          </a:bodyPr>
+          <a:lstStyle/>
+          <a:p>
+            <a:pPr algn="ctr">
+              <a:lnSpc>
+                <a:spcPct val="137000"/>
+              </a:lnSpc>
+              <a:spcAft>
+                <a:spcPts val="0"/>
+              </a:spcAft>
+            </a:pPr>
+            <a:r>
+              <a:rPr lang="ja-JP" altLang="en-US" sz="1200" kern="100">
+                <a:solidFill>
+                  <a:srgbClr val="000000"/>
+                </a:solidFill>
+                <a:latin typeface="Calibri" panose="020F0502020204030204" pitchFamily="34" charset="0"/>
+                <a:ea typeface="ＭＳ Ｐ明朝" panose="02020600040205080304" pitchFamily="18" charset="-128"/>
+              </a:rPr>
+              <a:t>令和</a:t>
+            </a:r>
+            <a:endParaRPr lang="ja-JP" altLang="ja-JP" sz="1200" kern="100">
+              <a:solidFill>
+                <a:srgbClr val="000000"/>
+              </a:solidFill>
+              <a:latin typeface="Calibri" panose="020F0502020204030204" pitchFamily="34" charset="0"/>
+              <a:ea typeface="ＭＳ Ｐ明朝" panose="02020600040205080304" pitchFamily="18" charset="-128"/>
+            </a:endParaRPr>
+          </a:p>
+        </p:txBody>
+      </p:sp>
+      <p:sp>
+        <p:nvSpPr>
+          <p:cNvPr id="85" name="正方形/長方形 84"/>
           <p:cNvSpPr/>
           <p:nvPr/>
         </p:nvSpPr>
         <p:spPr>
           <a:xfrm>
-            <a:off x="1658866" y="5708534"/>
+            <a:off x="1233505" y="6968713"/>
+            <a:ext cx="403543" cy="308098"/>
+          </a:xfrm>
+          <a:prstGeom prst="rect">
+            <a:avLst/>
+          </a:prstGeom>
+          <a:noFill/>
+        </p:spPr>
+        <p:txBody>
+          <a:bodyPr wrap="square" rtlCol="0">
+            <a:spAutoFit/>
+          </a:bodyPr>
+          <a:lstStyle/>
+          <a:p>
+            <a:pPr algn="ctr">
+              <a:lnSpc>
+                <a:spcPct val="137000"/>
+              </a:lnSpc>
+            </a:pPr>
+            <a:r>
+              <a:rPr lang="en-US" altLang="ja-JP" sz="1200" kern="100" dirty="0">
+                <a:solidFill>
+                  <a:srgbClr val="000000"/>
+                </a:solidFill>
+                <a:latin typeface="ＭＳ Ｐ明朝" panose="02020600040205080304" pitchFamily="18" charset="-128"/>
+                <a:ea typeface="ＭＳ Ｐ明朝" panose="02020600040205080304" pitchFamily="18" charset="-128"/>
+              </a:rPr>
+              <a:t>3</a:t>
+            </a:r>
+            <a:endParaRPr lang="ja-JP" altLang="en-US" sz="1200" kern="100" dirty="0">
+              <a:solidFill>
+                <a:srgbClr val="000000"/>
+              </a:solidFill>
+              <a:latin typeface="ＭＳ Ｐ明朝" panose="02020600040205080304" pitchFamily="18" charset="-128"/>
+              <a:ea typeface="ＭＳ Ｐ明朝" panose="02020600040205080304" pitchFamily="18" charset="-128"/>
+            </a:endParaRPr>
+          </a:p>
+        </p:txBody>
+      </p:sp>
+      <p:sp>
+        <p:nvSpPr>
+          <p:cNvPr id="86" name="正方形/長方形 85"/>
+          <p:cNvSpPr/>
+          <p:nvPr/>
+        </p:nvSpPr>
+        <p:spPr>
+          <a:xfrm>
+            <a:off x="1677038" y="6968713"/>
             <a:ext cx="353825" cy="308098"/>
           </a:xfrm>
           <a:prstGeom prst="rect">
@@ -7717,19 +7820,223 @@
       </p:sp>
       <p:sp>
         <p:nvSpPr>
-          <p:cNvPr id="81" name="テキスト ボックス 80"/>
-          <p:cNvSpPr txBox="1"/>
+          <p:cNvPr id="87" name="テキスト ボックス 2">
+            <a:extLst>
+              <a:ext uri="{FF2B5EF4-FFF2-40B4-BE49-F238E27FC236}">
+                <a16:creationId xmlns:a16="http://schemas.microsoft.com/office/drawing/2014/main" id="{D089C1B8-6A35-473A-AE8B-620F9FC8023D}"/>
+              </a:ext>
+            </a:extLst>
+          </p:cNvPr>
+          <p:cNvSpPr txBox="1">
+            <a:spLocks noChangeArrowheads="1"/>
+          </p:cNvSpPr>
           <p:nvPr/>
         </p:nvSpPr>
-        <p:spPr>
-          <a:xfrm>
-            <a:off x="725408" y="6330360"/>
-            <a:ext cx="510680" cy="319768"/>
+        <p:spPr bwMode="auto">
+          <a:xfrm>
+            <a:off x="5914073" y="3479291"/>
+            <a:ext cx="571500" cy="171450"/>
           </a:xfrm>
           <a:prstGeom prst="rect">
             <a:avLst/>
           </a:prstGeom>
           <a:noFill/>
+          <a:ln w="9525">
+            <a:noFill/>
+            <a:miter lim="800000"/>
+            <a:headEnd/>
+            <a:tailEnd/>
+          </a:ln>
+        </p:spPr>
+        <p:txBody>
+          <a:bodyPr rot="0" vert="horz" wrap="square" lIns="36000" tIns="0" rIns="36000" bIns="0" anchor="t" anchorCtr="0">
+            <a:noAutofit/>
+          </a:bodyPr>
+          <a:lstStyle/>
+          <a:p>
+            <a:pPr>
+              <a:lnSpc>
+                <a:spcPct val="107000"/>
+              </a:lnSpc>
+              <a:spcAft>
+                <a:spcPts val="800"/>
+              </a:spcAft>
+            </a:pPr>
+            <a:r>
+              <a:rPr lang="en-US" altLang="ja-JP" sz="1200" kern="100" spc="300" dirty="0">
+                <a:solidFill>
+                  <a:srgbClr val="000000"/>
+                </a:solidFill>
+                <a:effectLst/>
+                <a:latin typeface="ＭＳ Ｐ明朝" panose="02020600040205080304" pitchFamily="18" charset="-128"/>
+                <a:ea typeface="Calibri" panose="020F0502020204030204" pitchFamily="34" charset="0"/>
+              </a:rPr>
+              <a:t>62</a:t>
+            </a:r>
+            <a:endParaRPr lang="ja-JP" sz="1200" kern="100" dirty="0">
+              <a:solidFill>
+                <a:srgbClr val="000000"/>
+              </a:solidFill>
+              <a:effectLst/>
+              <a:latin typeface="Calibri" panose="020F0502020204030204" pitchFamily="34" charset="0"/>
+              <a:ea typeface="Calibri" panose="020F0502020204030204" pitchFamily="34" charset="0"/>
+            </a:endParaRPr>
+          </a:p>
+        </p:txBody>
+      </p:sp>
+      <p:sp>
+        <p:nvSpPr>
+          <p:cNvPr id="88" name="テキスト ボックス 2">
+            <a:extLst>
+              <a:ext uri="{FF2B5EF4-FFF2-40B4-BE49-F238E27FC236}">
+                <a16:creationId xmlns:a16="http://schemas.microsoft.com/office/drawing/2014/main" id="{411DE53E-D1AC-49C5-9C64-A864D288B005}"/>
+              </a:ext>
+            </a:extLst>
+          </p:cNvPr>
+          <p:cNvSpPr txBox="1">
+            <a:spLocks noChangeArrowheads="1"/>
+          </p:cNvSpPr>
+          <p:nvPr/>
+        </p:nvSpPr>
+        <p:spPr bwMode="auto">
+          <a:xfrm>
+            <a:off x="6523673" y="3479291"/>
+            <a:ext cx="571500" cy="171450"/>
+          </a:xfrm>
+          <a:prstGeom prst="rect">
+            <a:avLst/>
+          </a:prstGeom>
+          <a:noFill/>
+          <a:ln w="9525">
+            <a:noFill/>
+            <a:miter lim="800000"/>
+            <a:headEnd/>
+            <a:tailEnd/>
+          </a:ln>
+        </p:spPr>
+        <p:txBody>
+          <a:bodyPr rot="0" vert="horz" wrap="square" lIns="36000" tIns="0" rIns="36000" bIns="0" anchor="t" anchorCtr="0">
+            <a:noAutofit/>
+          </a:bodyPr>
+          <a:lstStyle/>
+          <a:p>
+            <a:pPr>
+              <a:lnSpc>
+                <a:spcPct val="107000"/>
+              </a:lnSpc>
+              <a:spcAft>
+                <a:spcPts val="800"/>
+              </a:spcAft>
+            </a:pPr>
+            <a:r>
+              <a:rPr lang="en-US" altLang="ja-JP" sz="1200" kern="100" spc="300" dirty="0">
+                <a:solidFill>
+                  <a:srgbClr val="000000"/>
+                </a:solidFill>
+                <a:effectLst/>
+                <a:latin typeface="ＭＳ Ｐ明朝" panose="02020600040205080304" pitchFamily="18" charset="-128"/>
+                <a:ea typeface="Calibri" panose="020F0502020204030204" pitchFamily="34" charset="0"/>
+              </a:rPr>
+              <a:t>2747</a:t>
+            </a:r>
+            <a:endParaRPr lang="ja-JP" sz="1200" kern="100" dirty="0">
+              <a:solidFill>
+                <a:srgbClr val="000000"/>
+              </a:solidFill>
+              <a:effectLst/>
+              <a:latin typeface="Calibri" panose="020F0502020204030204" pitchFamily="34" charset="0"/>
+              <a:ea typeface="Calibri" panose="020F0502020204030204" pitchFamily="34" charset="0"/>
+            </a:endParaRPr>
+          </a:p>
+        </p:txBody>
+      </p:sp>
+      <p:sp>
+        <p:nvSpPr>
+          <p:cNvPr id="89" name="テキスト ボックス 2">
+            <a:extLst>
+              <a:ext uri="{FF2B5EF4-FFF2-40B4-BE49-F238E27FC236}">
+                <a16:creationId xmlns:a16="http://schemas.microsoft.com/office/drawing/2014/main" id="{D17EE676-A805-4517-91D5-5A9A30ADEE55}"/>
+              </a:ext>
+            </a:extLst>
+          </p:cNvPr>
+          <p:cNvSpPr txBox="1">
+            <a:spLocks noChangeArrowheads="1"/>
+          </p:cNvSpPr>
+          <p:nvPr/>
+        </p:nvSpPr>
+        <p:spPr bwMode="auto">
+          <a:xfrm>
+            <a:off x="6447473" y="3193541"/>
+            <a:ext cx="571500" cy="171450"/>
+          </a:xfrm>
+          <a:prstGeom prst="rect">
+            <a:avLst/>
+          </a:prstGeom>
+          <a:noFill/>
+          <a:ln w="9525">
+            <a:noFill/>
+            <a:miter lim="800000"/>
+            <a:headEnd/>
+            <a:tailEnd/>
+          </a:ln>
+        </p:spPr>
+        <p:txBody>
+          <a:bodyPr rot="0" vert="horz" wrap="square" lIns="36000" tIns="0" rIns="36000" bIns="0" anchor="t" anchorCtr="0">
+            <a:noAutofit/>
+          </a:bodyPr>
+          <a:lstStyle/>
+          <a:p>
+            <a:pPr>
+              <a:lnSpc>
+                <a:spcPct val="107000"/>
+              </a:lnSpc>
+              <a:spcAft>
+                <a:spcPts val="800"/>
+              </a:spcAft>
+            </a:pPr>
+            <a:r>
+              <a:rPr lang="en-US" sz="1200" kern="100" spc="300" dirty="0">
+                <a:solidFill>
+                  <a:srgbClr val="000000"/>
+                </a:solidFill>
+                <a:effectLst/>
+                <a:latin typeface="ＭＳ Ｐ明朝" panose="02020600040205080304" pitchFamily="18" charset="-128"/>
+                <a:ea typeface="Calibri" panose="020F0502020204030204" pitchFamily="34" charset="0"/>
+              </a:rPr>
+              <a:t>0952</a:t>
+            </a:r>
+            <a:endParaRPr lang="ja-JP" sz="1200" kern="100" dirty="0">
+              <a:solidFill>
+                <a:srgbClr val="000000"/>
+              </a:solidFill>
+              <a:effectLst/>
+              <a:latin typeface="Calibri" panose="020F0502020204030204" pitchFamily="34" charset="0"/>
+              <a:ea typeface="Calibri" panose="020F0502020204030204" pitchFamily="34" charset="0"/>
+            </a:endParaRPr>
+          </a:p>
+        </p:txBody>
+      </p:sp>
+      <p:sp>
+        <p:nvSpPr>
+          <p:cNvPr id="90" name="テキスト ボックス 89">
+            <a:extLst>
+              <a:ext uri="{FF2B5EF4-FFF2-40B4-BE49-F238E27FC236}">
+                <a16:creationId xmlns:a16="http://schemas.microsoft.com/office/drawing/2014/main" id="{70033CC3-C849-487A-96F7-385E2CB8020C}"/>
+              </a:ext>
+            </a:extLst>
+          </p:cNvPr>
+          <p:cNvSpPr txBox="1"/>
+          <p:nvPr/>
+        </p:nvSpPr>
+        <p:spPr>
+          <a:xfrm>
+            <a:off x="9272498" y="610723"/>
+            <a:ext cx="2856493" cy="319768"/>
+          </a:xfrm>
+          <a:prstGeom prst="rect">
+            <a:avLst/>
+          </a:prstGeom>
+          <a:noFill/>
         </p:spPr>
         <p:txBody>
           <a:bodyPr wrap="square" rtlCol="0">
@@ -7737,7 +8044,7 @@
           </a:bodyPr>
           <a:lstStyle/>
           <a:p>
-            <a:pPr algn="ctr">
+            <a:pPr>
               <a:lnSpc>
                 <a:spcPct val="137000"/>
               </a:lnSpc>
@@ -7746,35 +8053,41 @@
               </a:spcAft>
             </a:pPr>
             <a:r>
-              <a:rPr lang="ja-JP" altLang="en-US" sz="1200" kern="100">
+              <a:rPr lang="ja-JP" altLang="en-US" sz="1200" kern="100" dirty="0">
                 <a:solidFill>
                   <a:srgbClr val="000000"/>
                 </a:solidFill>
                 <a:latin typeface="Calibri" panose="020F0502020204030204" pitchFamily="34" charset="0"/>
                 <a:ea typeface="ＭＳ Ｐ明朝" panose="02020600040205080304" pitchFamily="18" charset="-128"/>
               </a:rPr>
-              <a:t>令和</a:t>
-            </a:r>
-            <a:endParaRPr lang="ja-JP" altLang="ja-JP" sz="1200" kern="100">
+              <a:t>球算一級</a:t>
+            </a:r>
+            <a:endParaRPr lang="ja-JP" altLang="ja-JP" sz="1200" kern="100" dirty="0">
               <a:solidFill>
                 <a:srgbClr val="000000"/>
               </a:solidFill>
               <a:latin typeface="Calibri" panose="020F0502020204030204" pitchFamily="34" charset="0"/>
-              <a:ea typeface="ＭＳ Ｐ明朝" panose="02020600040205080304" pitchFamily="18" charset="-128"/>
+              <a:ea typeface="Calibri" panose="020F0502020204030204" pitchFamily="34" charset="0"/>
             </a:endParaRPr>
           </a:p>
         </p:txBody>
       </p:sp>
       <p:sp>
         <p:nvSpPr>
-          <p:cNvPr id="82" name="正方形/長方形 81"/>
-          <p:cNvSpPr/>
+          <p:cNvPr id="91" name="テキスト ボックス 90">
+            <a:extLst>
+              <a:ext uri="{FF2B5EF4-FFF2-40B4-BE49-F238E27FC236}">
+                <a16:creationId xmlns:a16="http://schemas.microsoft.com/office/drawing/2014/main" id="{102E0998-11E9-4914-9226-B2717B33D018}"/>
+              </a:ext>
+            </a:extLst>
+          </p:cNvPr>
+          <p:cNvSpPr txBox="1"/>
           <p:nvPr/>
         </p:nvSpPr>
         <p:spPr>
           <a:xfrm>
-            <a:off x="1235551" y="6330360"/>
-            <a:ext cx="403543" cy="308098"/>
+            <a:off x="9272498" y="926590"/>
+            <a:ext cx="2856493" cy="319768"/>
           </a:xfrm>
           <a:prstGeom prst="rect">
             <a:avLst/>
@@ -7787,41 +8100,70 @@
           </a:bodyPr>
           <a:lstStyle/>
           <a:p>
-            <a:pPr algn="ctr">
+            <a:pPr>
               <a:lnSpc>
                 <a:spcPct val="137000"/>
               </a:lnSpc>
+              <a:spcAft>
+                <a:spcPts val="0"/>
+              </a:spcAft>
             </a:pPr>
             <a:r>
-              <a:rPr lang="en-US" altLang="ja-JP" sz="1200" kern="100">
-                <a:solidFill>
-                  <a:srgbClr val="000000"/>
-                </a:solidFill>
-                <a:latin typeface="ＭＳ Ｐ明朝" panose="02020600040205080304" pitchFamily="18" charset="-128"/>
-                <a:ea typeface="ＭＳ Ｐ明朝" panose="02020600040205080304" pitchFamily="18" charset="-128"/>
-              </a:rPr>
-              <a:t>2</a:t>
-            </a:r>
-            <a:endParaRPr lang="ja-JP" altLang="en-US" sz="1200" kern="100">
+              <a:rPr lang="ja-JP" altLang="en-US" sz="1200" kern="100" dirty="0">
+                <a:solidFill>
+                  <a:srgbClr val="000000"/>
+                </a:solidFill>
+                <a:latin typeface="Calibri" panose="020F0502020204030204" pitchFamily="34" charset="0"/>
+                <a:ea typeface="ＭＳ Ｐ明朝" panose="02020600040205080304" pitchFamily="18" charset="-128"/>
+              </a:rPr>
+              <a:t>工事担任者　</a:t>
+            </a:r>
+            <a:r>
+              <a:rPr lang="en-US" altLang="ja-JP" sz="1200" kern="100" dirty="0">
+                <a:solidFill>
+                  <a:srgbClr val="000000"/>
+                </a:solidFill>
+                <a:latin typeface="Calibri" panose="020F0502020204030204" pitchFamily="34" charset="0"/>
+                <a:ea typeface="ＭＳ Ｐ明朝" panose="02020600040205080304" pitchFamily="18" charset="-128"/>
+              </a:rPr>
+              <a:t>DD</a:t>
+            </a:r>
+            <a:r>
+              <a:rPr lang="ja-JP" altLang="en-US" sz="1200" kern="100" dirty="0">
+                <a:solidFill>
+                  <a:srgbClr val="000000"/>
+                </a:solidFill>
+                <a:latin typeface="Calibri" panose="020F0502020204030204" pitchFamily="34" charset="0"/>
+                <a:ea typeface="ＭＳ Ｐ明朝" panose="02020600040205080304" pitchFamily="18" charset="-128"/>
+              </a:rPr>
+              <a:t>第三種</a:t>
+            </a:r>
+            <a:endParaRPr lang="ja-JP" altLang="ja-JP" sz="1200" kern="100" dirty="0">
               <a:solidFill>
                 <a:srgbClr val="000000"/>
               </a:solidFill>
-              <a:latin typeface="ＭＳ Ｐ明朝" panose="02020600040205080304" pitchFamily="18" charset="-128"/>
-              <a:ea typeface="ＭＳ Ｐ明朝" panose="02020600040205080304" pitchFamily="18" charset="-128"/>
+              <a:latin typeface="Calibri" panose="020F0502020204030204" pitchFamily="34" charset="0"/>
+              <a:ea typeface="Calibri" panose="020F0502020204030204" pitchFamily="34" charset="0"/>
             </a:endParaRPr>
           </a:p>
         </p:txBody>
       </p:sp>
       <p:sp>
         <p:nvSpPr>
-          <p:cNvPr id="83" name="正方形/長方形 82"/>
-          <p:cNvSpPr/>
+          <p:cNvPr id="92" name="テキスト ボックス 91">
+            <a:extLst>
+              <a:ext uri="{FF2B5EF4-FFF2-40B4-BE49-F238E27FC236}">
+                <a16:creationId xmlns:a16="http://schemas.microsoft.com/office/drawing/2014/main" id="{0A69CAD4-08AB-4056-9F23-580F743B4735}"/>
+              </a:ext>
+            </a:extLst>
+          </p:cNvPr>
+          <p:cNvSpPr txBox="1"/>
           <p:nvPr/>
         </p:nvSpPr>
         <p:spPr>
           <a:xfrm>
-            <a:off x="1679084" y="6330360"/>
-            <a:ext cx="353825" cy="308098"/>
+            <a:off x="9272498" y="1242457"/>
+            <a:ext cx="2856493" cy="319768"/>
           </a:xfrm>
           <a:prstGeom prst="rect">
             <a:avLst/>
@@ -7834,41 +8176,70 @@
           </a:bodyPr>
           <a:lstStyle/>
           <a:p>
-            <a:pPr algn="ctr">
+            <a:pPr>
               <a:lnSpc>
                 <a:spcPct val="137000"/>
               </a:lnSpc>
+              <a:spcAft>
+                <a:spcPts val="0"/>
+              </a:spcAft>
             </a:pPr>
             <a:r>
-              <a:rPr lang="en-US" altLang="ja-JP" sz="1200" kern="100">
-                <a:solidFill>
-                  <a:srgbClr val="000000"/>
-                </a:solidFill>
-                <a:latin typeface="ＭＳ Ｐ明朝" panose="02020600040205080304" pitchFamily="18" charset="-128"/>
-                <a:ea typeface="ＭＳ Ｐ明朝" panose="02020600040205080304" pitchFamily="18" charset="-128"/>
-              </a:rPr>
-              <a:t>12</a:t>
-            </a:r>
-            <a:endParaRPr lang="ja-JP" altLang="en-US" sz="1200" kern="100">
+              <a:rPr lang="ja-JP" altLang="en-US" sz="1200" kern="100" dirty="0">
+                <a:solidFill>
+                  <a:srgbClr val="000000"/>
+                </a:solidFill>
+                <a:latin typeface="Calibri" panose="020F0502020204030204" pitchFamily="34" charset="0"/>
+                <a:ea typeface="ＭＳ Ｐ明朝" panose="02020600040205080304" pitchFamily="18" charset="-128"/>
+              </a:rPr>
+              <a:t>第</a:t>
+            </a:r>
+            <a:r>
+              <a:rPr lang="en-US" altLang="ja-JP" sz="1200" kern="100" dirty="0">
+                <a:solidFill>
+                  <a:srgbClr val="000000"/>
+                </a:solidFill>
+                <a:latin typeface="Calibri" panose="020F0502020204030204" pitchFamily="34" charset="0"/>
+                <a:ea typeface="ＭＳ Ｐ明朝" panose="02020600040205080304" pitchFamily="18" charset="-128"/>
+              </a:rPr>
+              <a:t>3</a:t>
+            </a:r>
+            <a:r>
+              <a:rPr lang="ja-JP" altLang="en-US" sz="1200" kern="100" dirty="0">
+                <a:solidFill>
+                  <a:srgbClr val="000000"/>
+                </a:solidFill>
+                <a:latin typeface="Calibri" panose="020F0502020204030204" pitchFamily="34" charset="0"/>
+                <a:ea typeface="ＭＳ Ｐ明朝" panose="02020600040205080304" pitchFamily="18" charset="-128"/>
+              </a:rPr>
+              <a:t>級陸上特殊無線技士</a:t>
+            </a:r>
+            <a:endParaRPr lang="ja-JP" altLang="ja-JP" sz="1200" kern="100" dirty="0">
               <a:solidFill>
                 <a:srgbClr val="000000"/>
               </a:solidFill>
-              <a:latin typeface="ＭＳ Ｐ明朝" panose="02020600040205080304" pitchFamily="18" charset="-128"/>
-              <a:ea typeface="ＭＳ Ｐ明朝" panose="02020600040205080304" pitchFamily="18" charset="-128"/>
+              <a:latin typeface="Calibri" panose="020F0502020204030204" pitchFamily="34" charset="0"/>
+              <a:ea typeface="Calibri" panose="020F0502020204030204" pitchFamily="34" charset="0"/>
             </a:endParaRPr>
           </a:p>
         </p:txBody>
       </p:sp>
       <p:sp>
         <p:nvSpPr>
-          <p:cNvPr id="84" name="テキスト ボックス 83"/>
+          <p:cNvPr id="93" name="テキスト ボックス 92">
+            <a:extLst>
+              <a:ext uri="{FF2B5EF4-FFF2-40B4-BE49-F238E27FC236}">
+                <a16:creationId xmlns:a16="http://schemas.microsoft.com/office/drawing/2014/main" id="{027CEFB4-DC85-461F-B7E4-ABC3F3A8C636}"/>
+              </a:ext>
+            </a:extLst>
+          </p:cNvPr>
           <p:cNvSpPr txBox="1"/>
           <p:nvPr/>
         </p:nvSpPr>
         <p:spPr>
           <a:xfrm>
-            <a:off x="723362" y="6968713"/>
-            <a:ext cx="510680" cy="319768"/>
+            <a:off x="9272498" y="1558324"/>
+            <a:ext cx="2856493" cy="319768"/>
           </a:xfrm>
           <a:prstGeom prst="rect">
             <a:avLst/>
@@ -7881,7 +8252,7 @@
           </a:bodyPr>
           <a:lstStyle/>
           <a:p>
-            <a:pPr algn="ctr">
+            <a:pPr>
               <a:lnSpc>
                 <a:spcPct val="137000"/>
               </a:lnSpc>
@@ -7890,35 +8261,41 @@
               </a:spcAft>
             </a:pPr>
             <a:r>
-              <a:rPr lang="ja-JP" altLang="en-US" sz="1200" kern="100">
+              <a:rPr lang="ja-JP" altLang="en-US" sz="1200" kern="100" dirty="0">
                 <a:solidFill>
                   <a:srgbClr val="000000"/>
                 </a:solidFill>
                 <a:latin typeface="Calibri" panose="020F0502020204030204" pitchFamily="34" charset="0"/>
                 <a:ea typeface="ＭＳ Ｐ明朝" panose="02020600040205080304" pitchFamily="18" charset="-128"/>
               </a:rPr>
-              <a:t>令和</a:t>
-            </a:r>
-            <a:endParaRPr lang="ja-JP" altLang="ja-JP" sz="1200" kern="100">
+              <a:t>基本情報技術</a:t>
+            </a:r>
+            <a:endParaRPr lang="ja-JP" altLang="ja-JP" sz="1200" kern="100" dirty="0">
               <a:solidFill>
                 <a:srgbClr val="000000"/>
               </a:solidFill>
               <a:latin typeface="Calibri" panose="020F0502020204030204" pitchFamily="34" charset="0"/>
-              <a:ea typeface="ＭＳ Ｐ明朝" panose="02020600040205080304" pitchFamily="18" charset="-128"/>
+              <a:ea typeface="Calibri" panose="020F0502020204030204" pitchFamily="34" charset="0"/>
             </a:endParaRPr>
           </a:p>
         </p:txBody>
       </p:sp>
       <p:sp>
         <p:nvSpPr>
-          <p:cNvPr id="85" name="正方形/長方形 84"/>
-          <p:cNvSpPr/>
+          <p:cNvPr id="94" name="テキスト ボックス 93">
+            <a:extLst>
+              <a:ext uri="{FF2B5EF4-FFF2-40B4-BE49-F238E27FC236}">
+                <a16:creationId xmlns:a16="http://schemas.microsoft.com/office/drawing/2014/main" id="{4E1A00F1-24EA-47BA-8AC5-822C24DEDFDD}"/>
+              </a:ext>
+            </a:extLst>
+          </p:cNvPr>
+          <p:cNvSpPr txBox="1"/>
           <p:nvPr/>
         </p:nvSpPr>
         <p:spPr>
           <a:xfrm>
-            <a:off x="1233505" y="6968713"/>
-            <a:ext cx="403543" cy="308098"/>
+            <a:off x="9272498" y="1874191"/>
+            <a:ext cx="2856493" cy="319768"/>
           </a:xfrm>
           <a:prstGeom prst="rect">
             <a:avLst/>
@@ -7931,74 +8308,60 @@
           </a:bodyPr>
           <a:lstStyle/>
           <a:p>
-            <a:pPr algn="ctr">
+            <a:pPr>
               <a:lnSpc>
                 <a:spcPct val="137000"/>
               </a:lnSpc>
+              <a:spcAft>
+                <a:spcPts val="0"/>
+              </a:spcAft>
             </a:pPr>
             <a:r>
-              <a:rPr lang="en-US" altLang="ja-JP" sz="1200" kern="100">
-                <a:solidFill>
-                  <a:srgbClr val="000000"/>
-                </a:solidFill>
-                <a:latin typeface="ＭＳ Ｐ明朝" panose="02020600040205080304" pitchFamily="18" charset="-128"/>
+              <a:rPr lang="en-US" altLang="ja-JP" sz="1200" kern="100" dirty="0">
+                <a:solidFill>
+                  <a:srgbClr val="000000"/>
+                </a:solidFill>
+                <a:latin typeface="Calibri" panose="020F0502020204030204" pitchFamily="34" charset="0"/>
+                <a:ea typeface="ＭＳ Ｐ明朝" panose="02020600040205080304" pitchFamily="18" charset="-128"/>
+              </a:rPr>
+              <a:t>Java</a:t>
+            </a:r>
+            <a:r>
+              <a:rPr lang="ja-JP" altLang="en-US" sz="1200" kern="100" dirty="0">
+                <a:solidFill>
+                  <a:srgbClr val="000000"/>
+                </a:solidFill>
+                <a:latin typeface="Calibri" panose="020F0502020204030204" pitchFamily="34" charset="0"/>
+                <a:ea typeface="ＭＳ Ｐ明朝" panose="02020600040205080304" pitchFamily="18" charset="-128"/>
+              </a:rPr>
+              <a:t>検定</a:t>
+            </a:r>
+            <a:r>
+              <a:rPr lang="en-US" altLang="ja-JP" sz="1200" kern="100" dirty="0">
+                <a:solidFill>
+                  <a:srgbClr val="000000"/>
+                </a:solidFill>
+                <a:latin typeface="Calibri" panose="020F0502020204030204" pitchFamily="34" charset="0"/>
                 <a:ea typeface="ＭＳ Ｐ明朝" panose="02020600040205080304" pitchFamily="18" charset="-128"/>
               </a:rPr>
               <a:t>2</a:t>
             </a:r>
-            <a:endParaRPr lang="ja-JP" altLang="en-US" sz="1200" kern="100">
+            <a:r>
+              <a:rPr lang="ja-JP" altLang="en-US" sz="1200" kern="100" dirty="0">
+                <a:solidFill>
+                  <a:srgbClr val="000000"/>
+                </a:solidFill>
+                <a:latin typeface="Calibri" panose="020F0502020204030204" pitchFamily="34" charset="0"/>
+                <a:ea typeface="ＭＳ Ｐ明朝" panose="02020600040205080304" pitchFamily="18" charset="-128"/>
+              </a:rPr>
+              <a:t>級</a:t>
+            </a:r>
+            <a:endParaRPr lang="ja-JP" altLang="ja-JP" sz="1200" kern="100" dirty="0">
               <a:solidFill>
                 <a:srgbClr val="000000"/>
               </a:solidFill>
-              <a:latin typeface="ＭＳ Ｐ明朝" panose="02020600040205080304" pitchFamily="18" charset="-128"/>
-              <a:ea typeface="ＭＳ Ｐ明朝" panose="02020600040205080304" pitchFamily="18" charset="-128"/>
-            </a:endParaRPr>
-          </a:p>
-        </p:txBody>
-      </p:sp>
-      <p:sp>
-        <p:nvSpPr>
-          <p:cNvPr id="86" name="正方形/長方形 85"/>
-          <p:cNvSpPr/>
-          <p:nvPr/>
-        </p:nvSpPr>
-        <p:spPr>
-          <a:xfrm>
-            <a:off x="1677038" y="6968713"/>
-            <a:ext cx="353825" cy="308098"/>
-          </a:xfrm>
-          <a:prstGeom prst="rect">
-            <a:avLst/>
-          </a:prstGeom>
-          <a:noFill/>
-        </p:spPr>
-        <p:txBody>
-          <a:bodyPr wrap="square" rtlCol="0">
-            <a:spAutoFit/>
-          </a:bodyPr>
-          <a:lstStyle/>
-          <a:p>
-            <a:pPr algn="ctr">
-              <a:lnSpc>
-                <a:spcPct val="137000"/>
-              </a:lnSpc>
-            </a:pPr>
-            <a:r>
-              <a:rPr lang="en-US" altLang="ja-JP" sz="1200" kern="100">
-                <a:solidFill>
-                  <a:srgbClr val="000000"/>
-                </a:solidFill>
-                <a:latin typeface="ＭＳ Ｐ明朝" panose="02020600040205080304" pitchFamily="18" charset="-128"/>
-                <a:ea typeface="ＭＳ Ｐ明朝" panose="02020600040205080304" pitchFamily="18" charset="-128"/>
-              </a:rPr>
-              <a:t>3</a:t>
-            </a:r>
-            <a:endParaRPr lang="ja-JP" altLang="en-US" sz="1200" kern="100">
-              <a:solidFill>
-                <a:srgbClr val="000000"/>
-              </a:solidFill>
-              <a:latin typeface="ＭＳ Ｐ明朝" panose="02020600040205080304" pitchFamily="18" charset="-128"/>
-              <a:ea typeface="ＭＳ Ｐ明朝" panose="02020600040205080304" pitchFamily="18" charset="-128"/>
+              <a:latin typeface="Calibri" panose="020F0502020204030204" pitchFamily="34" charset="0"/>
+              <a:ea typeface="Calibri" panose="020F0502020204030204" pitchFamily="34" charset="0"/>
             </a:endParaRPr>
           </a:p>
         </p:txBody>
@@ -8278,9 +8641,12 @@
 </file>
 
 <file path=customXml/item1.xml><?xml version="1.0" encoding="utf-8"?>
-<p:properties xmlns:p="http://schemas.microsoft.com/office/2006/metadata/properties" xmlns:xsi="http://www.w3.org/2001/XMLSchema-instance" xmlns:pc="http://schemas.microsoft.com/office/infopath/2007/PartnerControls">
-  <documentManagement/>
-</p:properties>
+<?mso-contentType ?>
+<FormTemplates xmlns="http://schemas.microsoft.com/sharepoint/v3/contenttype/forms">
+  <Display>DocumentLibraryForm</Display>
+  <Edit>DocumentLibraryForm</Edit>
+  <New>DocumentLibraryForm</New>
+</FormTemplates>
 </file>
 
 <file path=customXml/item2.xml><?xml version="1.0" encoding="utf-8"?>
@@ -8416,19 +8782,15 @@
 </file>
 
 <file path=customXml/item3.xml><?xml version="1.0" encoding="utf-8"?>
-<?mso-contentType ?>
-<FormTemplates xmlns="http://schemas.microsoft.com/sharepoint/v3/contenttype/forms">
-  <Display>DocumentLibraryForm</Display>
-  <Edit>DocumentLibraryForm</Edit>
-  <New>DocumentLibraryForm</New>
-</FormTemplates>
+<p:properties xmlns:p="http://schemas.microsoft.com/office/2006/metadata/properties" xmlns:xsi="http://www.w3.org/2001/XMLSchema-instance" xmlns:pc="http://schemas.microsoft.com/office/infopath/2007/PartnerControls">
+  <documentManagement/>
+</p:properties>
 </file>
 
 <file path=customXml/itemProps1.xml><?xml version="1.0" encoding="utf-8"?>
-<ds:datastoreItem xmlns:ds="http://schemas.openxmlformats.org/officeDocument/2006/customXml" ds:itemID="{F929C96F-1932-4DE7-A156-7D3B458EA036}">
+<ds:datastoreItem xmlns:ds="http://schemas.openxmlformats.org/officeDocument/2006/customXml" ds:itemID="{6EDD97E7-7A91-4DDE-BFC9-DC3652AAA340}">
   <ds:schemaRefs>
-    <ds:schemaRef ds:uri="http://schemas.microsoft.com/office/2006/metadata/properties"/>
-    <ds:schemaRef ds:uri="http://schemas.microsoft.com/office/infopath/2007/PartnerControls"/>
+    <ds:schemaRef ds:uri="http://schemas.microsoft.com/sharepoint/v3/contenttype/forms"/>
   </ds:schemaRefs>
 </ds:datastoreItem>
 </file>
@@ -8452,9 +8814,10 @@
 </file>
 
 <file path=customXml/itemProps3.xml><?xml version="1.0" encoding="utf-8"?>
-<ds:datastoreItem xmlns:ds="http://schemas.openxmlformats.org/officeDocument/2006/customXml" ds:itemID="{6EDD97E7-7A91-4DDE-BFC9-DC3652AAA340}">
+<ds:datastoreItem xmlns:ds="http://schemas.openxmlformats.org/officeDocument/2006/customXml" ds:itemID="{F929C96F-1932-4DE7-A156-7D3B458EA036}">
   <ds:schemaRefs>
-    <ds:schemaRef ds:uri="http://schemas.microsoft.com/sharepoint/v3/contenttype/forms"/>
+    <ds:schemaRef ds:uri="http://schemas.microsoft.com/office/2006/metadata/properties"/>
+    <ds:schemaRef ds:uri="http://schemas.microsoft.com/office/infopath/2007/PartnerControls"/>
   </ds:schemaRefs>
 </ds:datastoreItem>
 </file>